--- a/Chapter2/Figures/Fig6.pptx
+++ b/Chapter2/Figures/Fig6.pptx
@@ -288,7 +288,7 @@
           <a:p>
             <a:fld id="{23A2AB6A-EA31-4589-BDB2-20870E31F36E}" type="datetimeFigureOut">
               <a:rPr lang="en-GB" smtClean="0"/>
-              <a:t>25/06/2014</a:t>
+              <a:t>31/08/2014</a:t>
             </a:fld>
             <a:endParaRPr lang="en-GB"/>
           </a:p>
@@ -458,7 +458,7 @@
           <a:p>
             <a:fld id="{23A2AB6A-EA31-4589-BDB2-20870E31F36E}" type="datetimeFigureOut">
               <a:rPr lang="en-GB" smtClean="0"/>
-              <a:t>25/06/2014</a:t>
+              <a:t>31/08/2014</a:t>
             </a:fld>
             <a:endParaRPr lang="en-GB"/>
           </a:p>
@@ -638,7 +638,7 @@
           <a:p>
             <a:fld id="{23A2AB6A-EA31-4589-BDB2-20870E31F36E}" type="datetimeFigureOut">
               <a:rPr lang="en-GB" smtClean="0"/>
-              <a:t>25/06/2014</a:t>
+              <a:t>31/08/2014</a:t>
             </a:fld>
             <a:endParaRPr lang="en-GB"/>
           </a:p>
@@ -808,7 +808,7 @@
           <a:p>
             <a:fld id="{23A2AB6A-EA31-4589-BDB2-20870E31F36E}" type="datetimeFigureOut">
               <a:rPr lang="en-GB" smtClean="0"/>
-              <a:t>25/06/2014</a:t>
+              <a:t>31/08/2014</a:t>
             </a:fld>
             <a:endParaRPr lang="en-GB"/>
           </a:p>
@@ -1054,7 +1054,7 @@
           <a:p>
             <a:fld id="{23A2AB6A-EA31-4589-BDB2-20870E31F36E}" type="datetimeFigureOut">
               <a:rPr lang="en-GB" smtClean="0"/>
-              <a:t>25/06/2014</a:t>
+              <a:t>31/08/2014</a:t>
             </a:fld>
             <a:endParaRPr lang="en-GB"/>
           </a:p>
@@ -1342,7 +1342,7 @@
           <a:p>
             <a:fld id="{23A2AB6A-EA31-4589-BDB2-20870E31F36E}" type="datetimeFigureOut">
               <a:rPr lang="en-GB" smtClean="0"/>
-              <a:t>25/06/2014</a:t>
+              <a:t>31/08/2014</a:t>
             </a:fld>
             <a:endParaRPr lang="en-GB"/>
           </a:p>
@@ -1769,7 +1769,7 @@
           <a:p>
             <a:fld id="{23A2AB6A-EA31-4589-BDB2-20870E31F36E}" type="datetimeFigureOut">
               <a:rPr lang="en-GB" smtClean="0"/>
-              <a:t>25/06/2014</a:t>
+              <a:t>31/08/2014</a:t>
             </a:fld>
             <a:endParaRPr lang="en-GB"/>
           </a:p>
@@ -1887,7 +1887,7 @@
           <a:p>
             <a:fld id="{23A2AB6A-EA31-4589-BDB2-20870E31F36E}" type="datetimeFigureOut">
               <a:rPr lang="en-GB" smtClean="0"/>
-              <a:t>25/06/2014</a:t>
+              <a:t>31/08/2014</a:t>
             </a:fld>
             <a:endParaRPr lang="en-GB"/>
           </a:p>
@@ -1982,7 +1982,7 @@
           <a:p>
             <a:fld id="{23A2AB6A-EA31-4589-BDB2-20870E31F36E}" type="datetimeFigureOut">
               <a:rPr lang="en-GB" smtClean="0"/>
-              <a:t>25/06/2014</a:t>
+              <a:t>31/08/2014</a:t>
             </a:fld>
             <a:endParaRPr lang="en-GB"/>
           </a:p>
@@ -2259,7 +2259,7 @@
           <a:p>
             <a:fld id="{23A2AB6A-EA31-4589-BDB2-20870E31F36E}" type="datetimeFigureOut">
               <a:rPr lang="en-GB" smtClean="0"/>
-              <a:t>25/06/2014</a:t>
+              <a:t>31/08/2014</a:t>
             </a:fld>
             <a:endParaRPr lang="en-GB"/>
           </a:p>
@@ -2512,7 +2512,7 @@
           <a:p>
             <a:fld id="{23A2AB6A-EA31-4589-BDB2-20870E31F36E}" type="datetimeFigureOut">
               <a:rPr lang="en-GB" smtClean="0"/>
-              <a:t>25/06/2014</a:t>
+              <a:t>31/08/2014</a:t>
             </a:fld>
             <a:endParaRPr lang="en-GB"/>
           </a:p>
@@ -2725,7 +2725,7 @@
           <a:p>
             <a:fld id="{23A2AB6A-EA31-4589-BDB2-20870E31F36E}" type="datetimeFigureOut">
               <a:rPr lang="en-GB" smtClean="0"/>
-              <a:t>25/06/2014</a:t>
+              <a:t>31/08/2014</a:t>
             </a:fld>
             <a:endParaRPr lang="en-GB"/>
           </a:p>
@@ -3100,47 +3100,55 @@
           <a:chExt cx="0" cy="0"/>
         </a:xfrm>
       </p:grpSpPr>
-      <p:pic>
-        <p:nvPicPr>
-          <p:cNvPr id="20" name="Picture 2" descr="C:\Users\Wendy\Documents\wwn20\Lit review\Figures\mitzi2001b-1.jpg"/>
-          <p:cNvPicPr>
-            <a:picLocks noChangeAspect="1" noChangeArrowheads="1"/>
-          </p:cNvPicPr>
+      <p:sp>
+        <p:nvSpPr>
+          <p:cNvPr id="3" name="Rectangle 2"/>
+          <p:cNvSpPr/>
           <p:nvPr/>
-        </p:nvPicPr>
-        <p:blipFill>
-          <a:blip r:embed="rId2">
-            <a:extLst>
-              <a:ext uri="{28A0092B-C50C-407E-A947-70E740481C1C}">
-                <a14:useLocalDpi xmlns:a14="http://schemas.microsoft.com/office/drawing/2010/main" val="0"/>
-              </a:ext>
-            </a:extLst>
-          </a:blip>
-          <a:srcRect/>
-          <a:stretch>
-            <a:fillRect/>
-          </a:stretch>
-        </p:blipFill>
-        <p:spPr bwMode="auto">
+        </p:nvSpPr>
+        <p:spPr>
           <a:xfrm>
-            <a:off x="-180528" y="-65783"/>
-            <a:ext cx="5068887" cy="3181350"/>
+            <a:off x="360901" y="1763571"/>
+            <a:ext cx="4338000" cy="774891"/>
           </a:xfrm>
           <a:prstGeom prst="rect">
             <a:avLst/>
           </a:prstGeom>
-          <a:noFill/>
-          <a:extLst>
-            <a:ext uri="{909E8E84-426E-40DD-AFC4-6F175D3DCCD1}">
-              <a14:hiddenFill xmlns:a14="http://schemas.microsoft.com/office/drawing/2010/main">
-                <a:solidFill>
-                  <a:srgbClr val="FFFFFF"/>
-                </a:solidFill>
-              </a14:hiddenFill>
-            </a:ext>
-          </a:extLst>
+          <a:solidFill>
+            <a:schemeClr val="accent1">
+              <a:lumMod val="20000"/>
+              <a:lumOff val="80000"/>
+            </a:schemeClr>
+          </a:solidFill>
+          <a:ln>
+            <a:noFill/>
+          </a:ln>
         </p:spPr>
-      </p:pic>
+        <p:style>
+          <a:lnRef idx="2">
+            <a:schemeClr val="accent1">
+              <a:shade val="50000"/>
+            </a:schemeClr>
+          </a:lnRef>
+          <a:fillRef idx="1">
+            <a:schemeClr val="accent1"/>
+          </a:fillRef>
+          <a:effectRef idx="0">
+            <a:schemeClr val="accent1"/>
+          </a:effectRef>
+          <a:fontRef idx="minor">
+            <a:schemeClr val="lt1"/>
+          </a:fontRef>
+        </p:style>
+        <p:txBody>
+          <a:bodyPr rtlCol="0" anchor="ctr"/>
+          <a:lstStyle/>
+          <a:p>
+            <a:pPr algn="ctr"/>
+            <a:endParaRPr lang="en-GB"/>
+          </a:p>
+        </p:txBody>
+      </p:sp>
       <p:pic>
         <p:nvPicPr>
           <p:cNvPr id="21" name="Picture 3" descr="C:\Users\Wendy\Documents\wwn20\Lit review\Figures\era2000-1.jpg"/>
@@ -3150,7 +3158,7 @@
           <p:nvPr/>
         </p:nvPicPr>
         <p:blipFill>
-          <a:blip r:embed="rId3">
+          <a:blip r:embed="rId2">
             <a:extLst>
               <a:ext uri="{28A0092B-C50C-407E-A947-70E740481C1C}">
                 <a14:useLocalDpi xmlns:a14="http://schemas.microsoft.com/office/drawing/2010/main" val="0"/>
@@ -3242,6 +3250,2320 @@
           </a:p>
         </p:txBody>
       </p:sp>
+      <p:sp>
+        <p:nvSpPr>
+          <p:cNvPr id="2" name="Rectangle 1"/>
+          <p:cNvSpPr/>
+          <p:nvPr/>
+        </p:nvSpPr>
+        <p:spPr>
+          <a:xfrm>
+            <a:off x="360040" y="738262"/>
+            <a:ext cx="4338861" cy="1800200"/>
+          </a:xfrm>
+          <a:custGeom>
+            <a:avLst/>
+            <a:gdLst>
+              <a:gd name="connsiteX0" fmla="*/ 0 w 4338861"/>
+              <a:gd name="connsiteY0" fmla="*/ 0 h 1800200"/>
+              <a:gd name="connsiteX1" fmla="*/ 4338861 w 4338861"/>
+              <a:gd name="connsiteY1" fmla="*/ 0 h 1800200"/>
+              <a:gd name="connsiteX2" fmla="*/ 4338861 w 4338861"/>
+              <a:gd name="connsiteY2" fmla="*/ 1800200 h 1800200"/>
+              <a:gd name="connsiteX3" fmla="*/ 0 w 4338861"/>
+              <a:gd name="connsiteY3" fmla="*/ 1800200 h 1800200"/>
+              <a:gd name="connsiteX4" fmla="*/ 0 w 4338861"/>
+              <a:gd name="connsiteY4" fmla="*/ 0 h 1800200"/>
+              <a:gd name="connsiteX0" fmla="*/ 4338861 w 4430301"/>
+              <a:gd name="connsiteY0" fmla="*/ 0 h 1800200"/>
+              <a:gd name="connsiteX1" fmla="*/ 4338861 w 4430301"/>
+              <a:gd name="connsiteY1" fmla="*/ 1800200 h 1800200"/>
+              <a:gd name="connsiteX2" fmla="*/ 0 w 4430301"/>
+              <a:gd name="connsiteY2" fmla="*/ 1800200 h 1800200"/>
+              <a:gd name="connsiteX3" fmla="*/ 0 w 4430301"/>
+              <a:gd name="connsiteY3" fmla="*/ 0 h 1800200"/>
+              <a:gd name="connsiteX4" fmla="*/ 4430301 w 4430301"/>
+              <a:gd name="connsiteY4" fmla="*/ 91440 h 1800200"/>
+              <a:gd name="connsiteX0" fmla="*/ 4338861 w 4338861"/>
+              <a:gd name="connsiteY0" fmla="*/ 0 h 1800200"/>
+              <a:gd name="connsiteX1" fmla="*/ 4338861 w 4338861"/>
+              <a:gd name="connsiteY1" fmla="*/ 1800200 h 1800200"/>
+              <a:gd name="connsiteX2" fmla="*/ 0 w 4338861"/>
+              <a:gd name="connsiteY2" fmla="*/ 1800200 h 1800200"/>
+              <a:gd name="connsiteX3" fmla="*/ 0 w 4338861"/>
+              <a:gd name="connsiteY3" fmla="*/ 0 h 1800200"/>
+            </a:gdLst>
+            <a:ahLst/>
+            <a:cxnLst>
+              <a:cxn ang="0">
+                <a:pos x="connsiteX0" y="connsiteY0"/>
+              </a:cxn>
+              <a:cxn ang="0">
+                <a:pos x="connsiteX1" y="connsiteY1"/>
+              </a:cxn>
+              <a:cxn ang="0">
+                <a:pos x="connsiteX2" y="connsiteY2"/>
+              </a:cxn>
+              <a:cxn ang="0">
+                <a:pos x="connsiteX3" y="connsiteY3"/>
+              </a:cxn>
+            </a:cxnLst>
+            <a:rect l="l" t="t" r="r" b="b"/>
+            <a:pathLst>
+              <a:path w="4338861" h="1800200">
+                <a:moveTo>
+                  <a:pt x="4338861" y="0"/>
+                </a:moveTo>
+                <a:lnTo>
+                  <a:pt x="4338861" y="1800200"/>
+                </a:lnTo>
+                <a:lnTo>
+                  <a:pt x="0" y="1800200"/>
+                </a:lnTo>
+                <a:lnTo>
+                  <a:pt x="0" y="0"/>
+                </a:lnTo>
+              </a:path>
+            </a:pathLst>
+          </a:custGeom>
+          <a:noFill/>
+          <a:ln w="38100">
+            <a:solidFill>
+              <a:schemeClr val="tx1"/>
+            </a:solidFill>
+          </a:ln>
+        </p:spPr>
+        <p:style>
+          <a:lnRef idx="2">
+            <a:schemeClr val="accent1">
+              <a:shade val="50000"/>
+            </a:schemeClr>
+          </a:lnRef>
+          <a:fillRef idx="1">
+            <a:schemeClr val="accent1"/>
+          </a:fillRef>
+          <a:effectRef idx="0">
+            <a:schemeClr val="accent1"/>
+          </a:effectRef>
+          <a:fontRef idx="minor">
+            <a:schemeClr val="lt1"/>
+          </a:fontRef>
+        </p:style>
+        <p:txBody>
+          <a:bodyPr rtlCol="0" anchor="ctr"/>
+          <a:lstStyle/>
+          <a:p>
+            <a:pPr algn="ctr"/>
+            <a:endParaRPr lang="en-GB"/>
+          </a:p>
+        </p:txBody>
+      </p:sp>
+      <p:grpSp>
+        <p:nvGrpSpPr>
+          <p:cNvPr id="8" name="Group 7"/>
+          <p:cNvGrpSpPr>
+            <a:grpSpLocks noChangeAspect="1"/>
+          </p:cNvGrpSpPr>
+          <p:nvPr/>
+        </p:nvGrpSpPr>
+        <p:grpSpPr>
+          <a:xfrm>
+            <a:off x="1408754" y="1412009"/>
+            <a:ext cx="110592" cy="442412"/>
+            <a:chOff x="1026493" y="1314326"/>
+            <a:chExt cx="144000" cy="576057"/>
+          </a:xfrm>
+        </p:grpSpPr>
+        <p:sp>
+          <p:nvSpPr>
+            <p:cNvPr id="4" name="Oval 3"/>
+            <p:cNvSpPr/>
+            <p:nvPr/>
+          </p:nvSpPr>
+          <p:spPr>
+            <a:xfrm>
+              <a:off x="1026493" y="1746383"/>
+              <a:ext cx="144000" cy="144000"/>
+            </a:xfrm>
+            <a:prstGeom prst="ellipse">
+              <a:avLst/>
+            </a:prstGeom>
+            <a:solidFill>
+              <a:schemeClr val="bg1"/>
+            </a:solidFill>
+            <a:ln w="28575">
+              <a:solidFill>
+                <a:schemeClr val="tx1"/>
+              </a:solidFill>
+            </a:ln>
+          </p:spPr>
+          <p:style>
+            <a:lnRef idx="2">
+              <a:schemeClr val="accent1">
+                <a:shade val="50000"/>
+              </a:schemeClr>
+            </a:lnRef>
+            <a:fillRef idx="1">
+              <a:schemeClr val="accent1"/>
+            </a:fillRef>
+            <a:effectRef idx="0">
+              <a:schemeClr val="accent1"/>
+            </a:effectRef>
+            <a:fontRef idx="minor">
+              <a:schemeClr val="lt1"/>
+            </a:fontRef>
+          </p:style>
+          <p:txBody>
+            <a:bodyPr rtlCol="0" anchor="ctr"/>
+            <a:lstStyle/>
+            <a:p>
+              <a:pPr algn="ctr"/>
+              <a:endParaRPr lang="en-GB"/>
+            </a:p>
+          </p:txBody>
+        </p:sp>
+        <p:cxnSp>
+          <p:nvCxnSpPr>
+            <p:cNvPr id="6" name="Straight Connector 5"/>
+            <p:cNvCxnSpPr>
+              <a:endCxn id="4" idx="0"/>
+            </p:cNvCxnSpPr>
+            <p:nvPr/>
+          </p:nvCxnSpPr>
+          <p:spPr>
+            <a:xfrm>
+              <a:off x="1098493" y="1314326"/>
+              <a:ext cx="0" cy="432057"/>
+            </a:xfrm>
+            <a:prstGeom prst="line">
+              <a:avLst/>
+            </a:prstGeom>
+            <a:ln w="28575">
+              <a:solidFill>
+                <a:schemeClr val="tx1"/>
+              </a:solidFill>
+            </a:ln>
+          </p:spPr>
+          <p:style>
+            <a:lnRef idx="1">
+              <a:schemeClr val="accent1"/>
+            </a:lnRef>
+            <a:fillRef idx="0">
+              <a:schemeClr val="accent1"/>
+            </a:fillRef>
+            <a:effectRef idx="0">
+              <a:schemeClr val="accent1"/>
+            </a:effectRef>
+            <a:fontRef idx="minor">
+              <a:schemeClr val="tx1"/>
+            </a:fontRef>
+          </p:style>
+        </p:cxnSp>
+      </p:grpSp>
+      <p:cxnSp>
+        <p:nvCxnSpPr>
+          <p:cNvPr id="10" name="Straight Connector 9"/>
+          <p:cNvCxnSpPr/>
+          <p:nvPr/>
+        </p:nvCxnSpPr>
+        <p:spPr>
+          <a:xfrm>
+            <a:off x="1361684" y="1520608"/>
+            <a:ext cx="0" cy="504056"/>
+          </a:xfrm>
+          <a:prstGeom prst="line">
+            <a:avLst/>
+          </a:prstGeom>
+          <a:ln w="57150">
+            <a:solidFill>
+              <a:schemeClr val="tx1"/>
+            </a:solidFill>
+          </a:ln>
+        </p:spPr>
+        <p:style>
+          <a:lnRef idx="1">
+            <a:schemeClr val="accent1"/>
+          </a:lnRef>
+          <a:fillRef idx="0">
+            <a:schemeClr val="accent1"/>
+          </a:fillRef>
+          <a:effectRef idx="0">
+            <a:schemeClr val="accent1"/>
+          </a:effectRef>
+          <a:fontRef idx="minor">
+            <a:schemeClr val="tx1"/>
+          </a:fontRef>
+        </p:style>
+      </p:cxnSp>
+      <p:cxnSp>
+        <p:nvCxnSpPr>
+          <p:cNvPr id="29" name="Straight Connector 28"/>
+          <p:cNvCxnSpPr/>
+          <p:nvPr/>
+        </p:nvCxnSpPr>
+        <p:spPr>
+          <a:xfrm flipH="1">
+            <a:off x="360901" y="1772636"/>
+            <a:ext cx="1000783" cy="0"/>
+          </a:xfrm>
+          <a:prstGeom prst="line">
+            <a:avLst/>
+          </a:prstGeom>
+          <a:ln w="57150">
+            <a:solidFill>
+              <a:schemeClr val="tx1"/>
+            </a:solidFill>
+          </a:ln>
+        </p:spPr>
+        <p:style>
+          <a:lnRef idx="1">
+            <a:schemeClr val="accent1"/>
+          </a:lnRef>
+          <a:fillRef idx="0">
+            <a:schemeClr val="accent1"/>
+          </a:fillRef>
+          <a:effectRef idx="0">
+            <a:schemeClr val="accent1"/>
+          </a:effectRef>
+          <a:fontRef idx="minor">
+            <a:schemeClr val="tx1"/>
+          </a:fontRef>
+        </p:style>
+      </p:cxnSp>
+      <p:cxnSp>
+        <p:nvCxnSpPr>
+          <p:cNvPr id="45" name="Straight Connector 44"/>
+          <p:cNvCxnSpPr/>
+          <p:nvPr/>
+        </p:nvCxnSpPr>
+        <p:spPr>
+          <a:xfrm>
+            <a:off x="3662544" y="1530350"/>
+            <a:ext cx="0" cy="504056"/>
+          </a:xfrm>
+          <a:prstGeom prst="line">
+            <a:avLst/>
+          </a:prstGeom>
+          <a:ln w="57150">
+            <a:solidFill>
+              <a:schemeClr val="tx1"/>
+            </a:solidFill>
+          </a:ln>
+        </p:spPr>
+        <p:style>
+          <a:lnRef idx="1">
+            <a:schemeClr val="accent1"/>
+          </a:lnRef>
+          <a:fillRef idx="0">
+            <a:schemeClr val="accent1"/>
+          </a:fillRef>
+          <a:effectRef idx="0">
+            <a:schemeClr val="accent1"/>
+          </a:effectRef>
+          <a:fontRef idx="minor">
+            <a:schemeClr val="tx1"/>
+          </a:fontRef>
+        </p:style>
+      </p:cxnSp>
+      <p:cxnSp>
+        <p:nvCxnSpPr>
+          <p:cNvPr id="46" name="Straight Connector 45"/>
+          <p:cNvCxnSpPr/>
+          <p:nvPr/>
+        </p:nvCxnSpPr>
+        <p:spPr>
+          <a:xfrm flipH="1" flipV="1">
+            <a:off x="3662544" y="1756753"/>
+            <a:ext cx="1026633" cy="6819"/>
+          </a:xfrm>
+          <a:prstGeom prst="line">
+            <a:avLst/>
+          </a:prstGeom>
+          <a:ln w="57150">
+            <a:solidFill>
+              <a:schemeClr val="tx1"/>
+            </a:solidFill>
+          </a:ln>
+        </p:spPr>
+        <p:style>
+          <a:lnRef idx="1">
+            <a:schemeClr val="accent1"/>
+          </a:lnRef>
+          <a:fillRef idx="0">
+            <a:schemeClr val="accent1"/>
+          </a:fillRef>
+          <a:effectRef idx="0">
+            <a:schemeClr val="accent1"/>
+          </a:effectRef>
+          <a:fontRef idx="minor">
+            <a:schemeClr val="tx1"/>
+          </a:fontRef>
+        </p:style>
+      </p:cxnSp>
+      <p:sp>
+        <p:nvSpPr>
+          <p:cNvPr id="63" name="Right Arrow 62"/>
+          <p:cNvSpPr/>
+          <p:nvPr/>
+        </p:nvSpPr>
+        <p:spPr>
+          <a:xfrm>
+            <a:off x="837713" y="1520608"/>
+            <a:ext cx="306413" cy="144016"/>
+          </a:xfrm>
+          <a:prstGeom prst="rightArrow">
+            <a:avLst/>
+          </a:prstGeom>
+          <a:solidFill>
+            <a:srgbClr val="C00000"/>
+          </a:solidFill>
+          <a:ln>
+            <a:noFill/>
+          </a:ln>
+        </p:spPr>
+        <p:style>
+          <a:lnRef idx="2">
+            <a:schemeClr val="accent1">
+              <a:shade val="50000"/>
+            </a:schemeClr>
+          </a:lnRef>
+          <a:fillRef idx="1">
+            <a:schemeClr val="accent1"/>
+          </a:fillRef>
+          <a:effectRef idx="0">
+            <a:schemeClr val="accent1"/>
+          </a:effectRef>
+          <a:fontRef idx="minor">
+            <a:schemeClr val="lt1"/>
+          </a:fontRef>
+        </p:style>
+        <p:txBody>
+          <a:bodyPr rtlCol="0" anchor="ctr"/>
+          <a:lstStyle/>
+          <a:p>
+            <a:pPr algn="ctr"/>
+            <a:endParaRPr lang="en-GB"/>
+          </a:p>
+        </p:txBody>
+      </p:sp>
+      <p:sp>
+        <p:nvSpPr>
+          <p:cNvPr id="64" name="Right Arrow 63"/>
+          <p:cNvSpPr/>
+          <p:nvPr/>
+        </p:nvSpPr>
+        <p:spPr>
+          <a:xfrm flipH="1">
+            <a:off x="3860635" y="1520608"/>
+            <a:ext cx="306413" cy="144016"/>
+          </a:xfrm>
+          <a:prstGeom prst="rightArrow">
+            <a:avLst/>
+          </a:prstGeom>
+          <a:solidFill>
+            <a:srgbClr val="C00000"/>
+          </a:solidFill>
+          <a:ln>
+            <a:noFill/>
+          </a:ln>
+        </p:spPr>
+        <p:style>
+          <a:lnRef idx="2">
+            <a:schemeClr val="accent1">
+              <a:shade val="50000"/>
+            </a:schemeClr>
+          </a:lnRef>
+          <a:fillRef idx="1">
+            <a:schemeClr val="accent1"/>
+          </a:fillRef>
+          <a:effectRef idx="0">
+            <a:schemeClr val="accent1"/>
+          </a:effectRef>
+          <a:fontRef idx="minor">
+            <a:schemeClr val="lt1"/>
+          </a:fontRef>
+        </p:style>
+        <p:txBody>
+          <a:bodyPr rtlCol="0" anchor="ctr"/>
+          <a:lstStyle/>
+          <a:p>
+            <a:pPr algn="ctr"/>
+            <a:endParaRPr lang="en-GB"/>
+          </a:p>
+        </p:txBody>
+      </p:sp>
+      <p:grpSp>
+        <p:nvGrpSpPr>
+          <p:cNvPr id="79" name="Group 78"/>
+          <p:cNvGrpSpPr>
+            <a:grpSpLocks noChangeAspect="1"/>
+          </p:cNvGrpSpPr>
+          <p:nvPr/>
+        </p:nvGrpSpPr>
+        <p:grpSpPr>
+          <a:xfrm>
+            <a:off x="1547505" y="1412009"/>
+            <a:ext cx="110592" cy="442412"/>
+            <a:chOff x="1026493" y="1314326"/>
+            <a:chExt cx="144000" cy="576057"/>
+          </a:xfrm>
+        </p:grpSpPr>
+        <p:sp>
+          <p:nvSpPr>
+            <p:cNvPr id="80" name="Oval 79"/>
+            <p:cNvSpPr/>
+            <p:nvPr/>
+          </p:nvSpPr>
+          <p:spPr>
+            <a:xfrm>
+              <a:off x="1026493" y="1746383"/>
+              <a:ext cx="144000" cy="144000"/>
+            </a:xfrm>
+            <a:prstGeom prst="ellipse">
+              <a:avLst/>
+            </a:prstGeom>
+            <a:solidFill>
+              <a:schemeClr val="bg1"/>
+            </a:solidFill>
+            <a:ln w="28575">
+              <a:solidFill>
+                <a:schemeClr val="tx1"/>
+              </a:solidFill>
+            </a:ln>
+          </p:spPr>
+          <p:style>
+            <a:lnRef idx="2">
+              <a:schemeClr val="accent1">
+                <a:shade val="50000"/>
+              </a:schemeClr>
+            </a:lnRef>
+            <a:fillRef idx="1">
+              <a:schemeClr val="accent1"/>
+            </a:fillRef>
+            <a:effectRef idx="0">
+              <a:schemeClr val="accent1"/>
+            </a:effectRef>
+            <a:fontRef idx="minor">
+              <a:schemeClr val="lt1"/>
+            </a:fontRef>
+          </p:style>
+          <p:txBody>
+            <a:bodyPr rtlCol="0" anchor="ctr"/>
+            <a:lstStyle/>
+            <a:p>
+              <a:pPr algn="ctr"/>
+              <a:endParaRPr lang="en-GB"/>
+            </a:p>
+          </p:txBody>
+        </p:sp>
+        <p:cxnSp>
+          <p:nvCxnSpPr>
+            <p:cNvPr id="81" name="Straight Connector 80"/>
+            <p:cNvCxnSpPr>
+              <a:endCxn id="80" idx="0"/>
+            </p:cNvCxnSpPr>
+            <p:nvPr/>
+          </p:nvCxnSpPr>
+          <p:spPr>
+            <a:xfrm>
+              <a:off x="1098493" y="1314326"/>
+              <a:ext cx="0" cy="432057"/>
+            </a:xfrm>
+            <a:prstGeom prst="line">
+              <a:avLst/>
+            </a:prstGeom>
+            <a:ln w="28575">
+              <a:solidFill>
+                <a:schemeClr val="tx1"/>
+              </a:solidFill>
+            </a:ln>
+          </p:spPr>
+          <p:style>
+            <a:lnRef idx="1">
+              <a:schemeClr val="accent1"/>
+            </a:lnRef>
+            <a:fillRef idx="0">
+              <a:schemeClr val="accent1"/>
+            </a:fillRef>
+            <a:effectRef idx="0">
+              <a:schemeClr val="accent1"/>
+            </a:effectRef>
+            <a:fontRef idx="minor">
+              <a:schemeClr val="tx1"/>
+            </a:fontRef>
+          </p:style>
+        </p:cxnSp>
+      </p:grpSp>
+      <p:grpSp>
+        <p:nvGrpSpPr>
+          <p:cNvPr id="151" name="Group 150"/>
+          <p:cNvGrpSpPr>
+            <a:grpSpLocks noChangeAspect="1"/>
+          </p:cNvGrpSpPr>
+          <p:nvPr/>
+        </p:nvGrpSpPr>
+        <p:grpSpPr>
+          <a:xfrm>
+            <a:off x="1689917" y="1412377"/>
+            <a:ext cx="110592" cy="442412"/>
+            <a:chOff x="1026493" y="1314326"/>
+            <a:chExt cx="144000" cy="576057"/>
+          </a:xfrm>
+        </p:grpSpPr>
+        <p:sp>
+          <p:nvSpPr>
+            <p:cNvPr id="152" name="Oval 151"/>
+            <p:cNvSpPr/>
+            <p:nvPr/>
+          </p:nvSpPr>
+          <p:spPr>
+            <a:xfrm>
+              <a:off x="1026493" y="1746383"/>
+              <a:ext cx="144000" cy="144000"/>
+            </a:xfrm>
+            <a:prstGeom prst="ellipse">
+              <a:avLst/>
+            </a:prstGeom>
+            <a:solidFill>
+              <a:schemeClr val="bg1"/>
+            </a:solidFill>
+            <a:ln w="28575">
+              <a:solidFill>
+                <a:schemeClr val="tx1"/>
+              </a:solidFill>
+            </a:ln>
+          </p:spPr>
+          <p:style>
+            <a:lnRef idx="2">
+              <a:schemeClr val="accent1">
+                <a:shade val="50000"/>
+              </a:schemeClr>
+            </a:lnRef>
+            <a:fillRef idx="1">
+              <a:schemeClr val="accent1"/>
+            </a:fillRef>
+            <a:effectRef idx="0">
+              <a:schemeClr val="accent1"/>
+            </a:effectRef>
+            <a:fontRef idx="minor">
+              <a:schemeClr val="lt1"/>
+            </a:fontRef>
+          </p:style>
+          <p:txBody>
+            <a:bodyPr rtlCol="0" anchor="ctr"/>
+            <a:lstStyle/>
+            <a:p>
+              <a:pPr algn="ctr"/>
+              <a:endParaRPr lang="en-GB"/>
+            </a:p>
+          </p:txBody>
+        </p:sp>
+        <p:cxnSp>
+          <p:nvCxnSpPr>
+            <p:cNvPr id="153" name="Straight Connector 152"/>
+            <p:cNvCxnSpPr>
+              <a:endCxn id="152" idx="0"/>
+            </p:cNvCxnSpPr>
+            <p:nvPr/>
+          </p:nvCxnSpPr>
+          <p:spPr>
+            <a:xfrm>
+              <a:off x="1098493" y="1314326"/>
+              <a:ext cx="0" cy="432057"/>
+            </a:xfrm>
+            <a:prstGeom prst="line">
+              <a:avLst/>
+            </a:prstGeom>
+            <a:ln w="28575">
+              <a:solidFill>
+                <a:schemeClr val="tx1"/>
+              </a:solidFill>
+            </a:ln>
+          </p:spPr>
+          <p:style>
+            <a:lnRef idx="1">
+              <a:schemeClr val="accent1"/>
+            </a:lnRef>
+            <a:fillRef idx="0">
+              <a:schemeClr val="accent1"/>
+            </a:fillRef>
+            <a:effectRef idx="0">
+              <a:schemeClr val="accent1"/>
+            </a:effectRef>
+            <a:fontRef idx="minor">
+              <a:schemeClr val="tx1"/>
+            </a:fontRef>
+          </p:style>
+        </p:cxnSp>
+      </p:grpSp>
+      <p:grpSp>
+        <p:nvGrpSpPr>
+          <p:cNvPr id="154" name="Group 153"/>
+          <p:cNvGrpSpPr>
+            <a:grpSpLocks noChangeAspect="1"/>
+          </p:cNvGrpSpPr>
+          <p:nvPr/>
+        </p:nvGrpSpPr>
+        <p:grpSpPr>
+          <a:xfrm>
+            <a:off x="1831617" y="1413351"/>
+            <a:ext cx="110592" cy="442412"/>
+            <a:chOff x="1026493" y="1314326"/>
+            <a:chExt cx="144000" cy="576057"/>
+          </a:xfrm>
+        </p:grpSpPr>
+        <p:sp>
+          <p:nvSpPr>
+            <p:cNvPr id="155" name="Oval 154"/>
+            <p:cNvSpPr/>
+            <p:nvPr/>
+          </p:nvSpPr>
+          <p:spPr>
+            <a:xfrm>
+              <a:off x="1026493" y="1746383"/>
+              <a:ext cx="144000" cy="144000"/>
+            </a:xfrm>
+            <a:prstGeom prst="ellipse">
+              <a:avLst/>
+            </a:prstGeom>
+            <a:solidFill>
+              <a:schemeClr val="bg1"/>
+            </a:solidFill>
+            <a:ln w="28575">
+              <a:solidFill>
+                <a:schemeClr val="tx1"/>
+              </a:solidFill>
+            </a:ln>
+          </p:spPr>
+          <p:style>
+            <a:lnRef idx="2">
+              <a:schemeClr val="accent1">
+                <a:shade val="50000"/>
+              </a:schemeClr>
+            </a:lnRef>
+            <a:fillRef idx="1">
+              <a:schemeClr val="accent1"/>
+            </a:fillRef>
+            <a:effectRef idx="0">
+              <a:schemeClr val="accent1"/>
+            </a:effectRef>
+            <a:fontRef idx="minor">
+              <a:schemeClr val="lt1"/>
+            </a:fontRef>
+          </p:style>
+          <p:txBody>
+            <a:bodyPr rtlCol="0" anchor="ctr"/>
+            <a:lstStyle/>
+            <a:p>
+              <a:pPr algn="ctr"/>
+              <a:endParaRPr lang="en-GB"/>
+            </a:p>
+          </p:txBody>
+        </p:sp>
+        <p:cxnSp>
+          <p:nvCxnSpPr>
+            <p:cNvPr id="156" name="Straight Connector 155"/>
+            <p:cNvCxnSpPr>
+              <a:endCxn id="155" idx="0"/>
+            </p:cNvCxnSpPr>
+            <p:nvPr/>
+          </p:nvCxnSpPr>
+          <p:spPr>
+            <a:xfrm>
+              <a:off x="1098493" y="1314326"/>
+              <a:ext cx="0" cy="432057"/>
+            </a:xfrm>
+            <a:prstGeom prst="line">
+              <a:avLst/>
+            </a:prstGeom>
+            <a:ln w="28575">
+              <a:solidFill>
+                <a:schemeClr val="tx1"/>
+              </a:solidFill>
+            </a:ln>
+          </p:spPr>
+          <p:style>
+            <a:lnRef idx="1">
+              <a:schemeClr val="accent1"/>
+            </a:lnRef>
+            <a:fillRef idx="0">
+              <a:schemeClr val="accent1"/>
+            </a:fillRef>
+            <a:effectRef idx="0">
+              <a:schemeClr val="accent1"/>
+            </a:effectRef>
+            <a:fontRef idx="minor">
+              <a:schemeClr val="tx1"/>
+            </a:fontRef>
+          </p:style>
+        </p:cxnSp>
+      </p:grpSp>
+      <p:grpSp>
+        <p:nvGrpSpPr>
+          <p:cNvPr id="157" name="Group 156"/>
+          <p:cNvGrpSpPr>
+            <a:grpSpLocks noChangeAspect="1"/>
+          </p:cNvGrpSpPr>
+          <p:nvPr/>
+        </p:nvGrpSpPr>
+        <p:grpSpPr>
+          <a:xfrm>
+            <a:off x="1972227" y="1413351"/>
+            <a:ext cx="110592" cy="442412"/>
+            <a:chOff x="1026493" y="1314326"/>
+            <a:chExt cx="144000" cy="576057"/>
+          </a:xfrm>
+        </p:grpSpPr>
+        <p:sp>
+          <p:nvSpPr>
+            <p:cNvPr id="158" name="Oval 157"/>
+            <p:cNvSpPr/>
+            <p:nvPr/>
+          </p:nvSpPr>
+          <p:spPr>
+            <a:xfrm>
+              <a:off x="1026493" y="1746383"/>
+              <a:ext cx="144000" cy="144000"/>
+            </a:xfrm>
+            <a:prstGeom prst="ellipse">
+              <a:avLst/>
+            </a:prstGeom>
+            <a:solidFill>
+              <a:schemeClr val="bg1"/>
+            </a:solidFill>
+            <a:ln w="28575">
+              <a:solidFill>
+                <a:schemeClr val="tx1"/>
+              </a:solidFill>
+            </a:ln>
+          </p:spPr>
+          <p:style>
+            <a:lnRef idx="2">
+              <a:schemeClr val="accent1">
+                <a:shade val="50000"/>
+              </a:schemeClr>
+            </a:lnRef>
+            <a:fillRef idx="1">
+              <a:schemeClr val="accent1"/>
+            </a:fillRef>
+            <a:effectRef idx="0">
+              <a:schemeClr val="accent1"/>
+            </a:effectRef>
+            <a:fontRef idx="minor">
+              <a:schemeClr val="lt1"/>
+            </a:fontRef>
+          </p:style>
+          <p:txBody>
+            <a:bodyPr rtlCol="0" anchor="ctr"/>
+            <a:lstStyle/>
+            <a:p>
+              <a:pPr algn="ctr"/>
+              <a:endParaRPr lang="en-GB"/>
+            </a:p>
+          </p:txBody>
+        </p:sp>
+        <p:cxnSp>
+          <p:nvCxnSpPr>
+            <p:cNvPr id="159" name="Straight Connector 158"/>
+            <p:cNvCxnSpPr>
+              <a:endCxn id="158" idx="0"/>
+            </p:cNvCxnSpPr>
+            <p:nvPr/>
+          </p:nvCxnSpPr>
+          <p:spPr>
+            <a:xfrm>
+              <a:off x="1098493" y="1314326"/>
+              <a:ext cx="0" cy="432057"/>
+            </a:xfrm>
+            <a:prstGeom prst="line">
+              <a:avLst/>
+            </a:prstGeom>
+            <a:ln w="28575">
+              <a:solidFill>
+                <a:schemeClr val="tx1"/>
+              </a:solidFill>
+            </a:ln>
+          </p:spPr>
+          <p:style>
+            <a:lnRef idx="1">
+              <a:schemeClr val="accent1"/>
+            </a:lnRef>
+            <a:fillRef idx="0">
+              <a:schemeClr val="accent1"/>
+            </a:fillRef>
+            <a:effectRef idx="0">
+              <a:schemeClr val="accent1"/>
+            </a:effectRef>
+            <a:fontRef idx="minor">
+              <a:schemeClr val="tx1"/>
+            </a:fontRef>
+          </p:style>
+        </p:cxnSp>
+      </p:grpSp>
+      <p:grpSp>
+        <p:nvGrpSpPr>
+          <p:cNvPr id="160" name="Group 159"/>
+          <p:cNvGrpSpPr>
+            <a:grpSpLocks noChangeAspect="1"/>
+          </p:cNvGrpSpPr>
+          <p:nvPr/>
+        </p:nvGrpSpPr>
+        <p:grpSpPr>
+          <a:xfrm>
+            <a:off x="2110978" y="1413351"/>
+            <a:ext cx="110592" cy="442412"/>
+            <a:chOff x="1026493" y="1314326"/>
+            <a:chExt cx="144000" cy="576057"/>
+          </a:xfrm>
+        </p:grpSpPr>
+        <p:sp>
+          <p:nvSpPr>
+            <p:cNvPr id="161" name="Oval 160"/>
+            <p:cNvSpPr/>
+            <p:nvPr/>
+          </p:nvSpPr>
+          <p:spPr>
+            <a:xfrm>
+              <a:off x="1026493" y="1746383"/>
+              <a:ext cx="144000" cy="144000"/>
+            </a:xfrm>
+            <a:prstGeom prst="ellipse">
+              <a:avLst/>
+            </a:prstGeom>
+            <a:solidFill>
+              <a:schemeClr val="bg1"/>
+            </a:solidFill>
+            <a:ln w="28575">
+              <a:solidFill>
+                <a:schemeClr val="tx1"/>
+              </a:solidFill>
+            </a:ln>
+          </p:spPr>
+          <p:style>
+            <a:lnRef idx="2">
+              <a:schemeClr val="accent1">
+                <a:shade val="50000"/>
+              </a:schemeClr>
+            </a:lnRef>
+            <a:fillRef idx="1">
+              <a:schemeClr val="accent1"/>
+            </a:fillRef>
+            <a:effectRef idx="0">
+              <a:schemeClr val="accent1"/>
+            </a:effectRef>
+            <a:fontRef idx="minor">
+              <a:schemeClr val="lt1"/>
+            </a:fontRef>
+          </p:style>
+          <p:txBody>
+            <a:bodyPr rtlCol="0" anchor="ctr"/>
+            <a:lstStyle/>
+            <a:p>
+              <a:pPr algn="ctr"/>
+              <a:endParaRPr lang="en-GB"/>
+            </a:p>
+          </p:txBody>
+        </p:sp>
+        <p:cxnSp>
+          <p:nvCxnSpPr>
+            <p:cNvPr id="162" name="Straight Connector 161"/>
+            <p:cNvCxnSpPr>
+              <a:endCxn id="161" idx="0"/>
+            </p:cNvCxnSpPr>
+            <p:nvPr/>
+          </p:nvCxnSpPr>
+          <p:spPr>
+            <a:xfrm>
+              <a:off x="1098493" y="1314326"/>
+              <a:ext cx="0" cy="432057"/>
+            </a:xfrm>
+            <a:prstGeom prst="line">
+              <a:avLst/>
+            </a:prstGeom>
+            <a:ln w="28575">
+              <a:solidFill>
+                <a:schemeClr val="tx1"/>
+              </a:solidFill>
+            </a:ln>
+          </p:spPr>
+          <p:style>
+            <a:lnRef idx="1">
+              <a:schemeClr val="accent1"/>
+            </a:lnRef>
+            <a:fillRef idx="0">
+              <a:schemeClr val="accent1"/>
+            </a:fillRef>
+            <a:effectRef idx="0">
+              <a:schemeClr val="accent1"/>
+            </a:effectRef>
+            <a:fontRef idx="minor">
+              <a:schemeClr val="tx1"/>
+            </a:fontRef>
+          </p:style>
+        </p:cxnSp>
+      </p:grpSp>
+      <p:grpSp>
+        <p:nvGrpSpPr>
+          <p:cNvPr id="163" name="Group 162"/>
+          <p:cNvGrpSpPr>
+            <a:grpSpLocks noChangeAspect="1"/>
+          </p:cNvGrpSpPr>
+          <p:nvPr/>
+        </p:nvGrpSpPr>
+        <p:grpSpPr>
+          <a:xfrm>
+            <a:off x="2253390" y="1413719"/>
+            <a:ext cx="110592" cy="442412"/>
+            <a:chOff x="1026493" y="1314326"/>
+            <a:chExt cx="144000" cy="576057"/>
+          </a:xfrm>
+        </p:grpSpPr>
+        <p:sp>
+          <p:nvSpPr>
+            <p:cNvPr id="164" name="Oval 163"/>
+            <p:cNvSpPr/>
+            <p:nvPr/>
+          </p:nvSpPr>
+          <p:spPr>
+            <a:xfrm>
+              <a:off x="1026493" y="1746383"/>
+              <a:ext cx="144000" cy="144000"/>
+            </a:xfrm>
+            <a:prstGeom prst="ellipse">
+              <a:avLst/>
+            </a:prstGeom>
+            <a:solidFill>
+              <a:schemeClr val="bg1"/>
+            </a:solidFill>
+            <a:ln w="28575">
+              <a:solidFill>
+                <a:schemeClr val="tx1"/>
+              </a:solidFill>
+            </a:ln>
+          </p:spPr>
+          <p:style>
+            <a:lnRef idx="2">
+              <a:schemeClr val="accent1">
+                <a:shade val="50000"/>
+              </a:schemeClr>
+            </a:lnRef>
+            <a:fillRef idx="1">
+              <a:schemeClr val="accent1"/>
+            </a:fillRef>
+            <a:effectRef idx="0">
+              <a:schemeClr val="accent1"/>
+            </a:effectRef>
+            <a:fontRef idx="minor">
+              <a:schemeClr val="lt1"/>
+            </a:fontRef>
+          </p:style>
+          <p:txBody>
+            <a:bodyPr rtlCol="0" anchor="ctr"/>
+            <a:lstStyle/>
+            <a:p>
+              <a:pPr algn="ctr"/>
+              <a:endParaRPr lang="en-GB"/>
+            </a:p>
+          </p:txBody>
+        </p:sp>
+        <p:cxnSp>
+          <p:nvCxnSpPr>
+            <p:cNvPr id="165" name="Straight Connector 164"/>
+            <p:cNvCxnSpPr>
+              <a:endCxn id="164" idx="0"/>
+            </p:cNvCxnSpPr>
+            <p:nvPr/>
+          </p:nvCxnSpPr>
+          <p:spPr>
+            <a:xfrm>
+              <a:off x="1098493" y="1314326"/>
+              <a:ext cx="0" cy="432057"/>
+            </a:xfrm>
+            <a:prstGeom prst="line">
+              <a:avLst/>
+            </a:prstGeom>
+            <a:ln w="28575">
+              <a:solidFill>
+                <a:schemeClr val="tx1"/>
+              </a:solidFill>
+            </a:ln>
+          </p:spPr>
+          <p:style>
+            <a:lnRef idx="1">
+              <a:schemeClr val="accent1"/>
+            </a:lnRef>
+            <a:fillRef idx="0">
+              <a:schemeClr val="accent1"/>
+            </a:fillRef>
+            <a:effectRef idx="0">
+              <a:schemeClr val="accent1"/>
+            </a:effectRef>
+            <a:fontRef idx="minor">
+              <a:schemeClr val="tx1"/>
+            </a:fontRef>
+          </p:style>
+        </p:cxnSp>
+      </p:grpSp>
+      <p:grpSp>
+        <p:nvGrpSpPr>
+          <p:cNvPr id="166" name="Group 165"/>
+          <p:cNvGrpSpPr>
+            <a:grpSpLocks noChangeAspect="1"/>
+          </p:cNvGrpSpPr>
+          <p:nvPr/>
+        </p:nvGrpSpPr>
+        <p:grpSpPr>
+          <a:xfrm>
+            <a:off x="2395090" y="1414693"/>
+            <a:ext cx="110592" cy="442412"/>
+            <a:chOff x="1026493" y="1314326"/>
+            <a:chExt cx="144000" cy="576057"/>
+          </a:xfrm>
+        </p:grpSpPr>
+        <p:sp>
+          <p:nvSpPr>
+            <p:cNvPr id="167" name="Oval 166"/>
+            <p:cNvSpPr/>
+            <p:nvPr/>
+          </p:nvSpPr>
+          <p:spPr>
+            <a:xfrm>
+              <a:off x="1026493" y="1746383"/>
+              <a:ext cx="144000" cy="144000"/>
+            </a:xfrm>
+            <a:prstGeom prst="ellipse">
+              <a:avLst/>
+            </a:prstGeom>
+            <a:solidFill>
+              <a:schemeClr val="bg1"/>
+            </a:solidFill>
+            <a:ln w="28575">
+              <a:solidFill>
+                <a:schemeClr val="tx1"/>
+              </a:solidFill>
+            </a:ln>
+          </p:spPr>
+          <p:style>
+            <a:lnRef idx="2">
+              <a:schemeClr val="accent1">
+                <a:shade val="50000"/>
+              </a:schemeClr>
+            </a:lnRef>
+            <a:fillRef idx="1">
+              <a:schemeClr val="accent1"/>
+            </a:fillRef>
+            <a:effectRef idx="0">
+              <a:schemeClr val="accent1"/>
+            </a:effectRef>
+            <a:fontRef idx="minor">
+              <a:schemeClr val="lt1"/>
+            </a:fontRef>
+          </p:style>
+          <p:txBody>
+            <a:bodyPr rtlCol="0" anchor="ctr"/>
+            <a:lstStyle/>
+            <a:p>
+              <a:pPr algn="ctr"/>
+              <a:endParaRPr lang="en-GB"/>
+            </a:p>
+          </p:txBody>
+        </p:sp>
+        <p:cxnSp>
+          <p:nvCxnSpPr>
+            <p:cNvPr id="168" name="Straight Connector 167"/>
+            <p:cNvCxnSpPr>
+              <a:endCxn id="167" idx="0"/>
+            </p:cNvCxnSpPr>
+            <p:nvPr/>
+          </p:nvCxnSpPr>
+          <p:spPr>
+            <a:xfrm>
+              <a:off x="1098493" y="1314326"/>
+              <a:ext cx="0" cy="432057"/>
+            </a:xfrm>
+            <a:prstGeom prst="line">
+              <a:avLst/>
+            </a:prstGeom>
+            <a:ln w="28575">
+              <a:solidFill>
+                <a:schemeClr val="tx1"/>
+              </a:solidFill>
+            </a:ln>
+          </p:spPr>
+          <p:style>
+            <a:lnRef idx="1">
+              <a:schemeClr val="accent1"/>
+            </a:lnRef>
+            <a:fillRef idx="0">
+              <a:schemeClr val="accent1"/>
+            </a:fillRef>
+            <a:effectRef idx="0">
+              <a:schemeClr val="accent1"/>
+            </a:effectRef>
+            <a:fontRef idx="minor">
+              <a:schemeClr val="tx1"/>
+            </a:fontRef>
+          </p:style>
+        </p:cxnSp>
+      </p:grpSp>
+      <p:grpSp>
+        <p:nvGrpSpPr>
+          <p:cNvPr id="169" name="Group 168"/>
+          <p:cNvGrpSpPr>
+            <a:grpSpLocks noChangeAspect="1"/>
+          </p:cNvGrpSpPr>
+          <p:nvPr/>
+        </p:nvGrpSpPr>
+        <p:grpSpPr>
+          <a:xfrm>
+            <a:off x="2537852" y="1408061"/>
+            <a:ext cx="110592" cy="442412"/>
+            <a:chOff x="1026493" y="1314326"/>
+            <a:chExt cx="144000" cy="576057"/>
+          </a:xfrm>
+        </p:grpSpPr>
+        <p:sp>
+          <p:nvSpPr>
+            <p:cNvPr id="170" name="Oval 169"/>
+            <p:cNvSpPr/>
+            <p:nvPr/>
+          </p:nvSpPr>
+          <p:spPr>
+            <a:xfrm>
+              <a:off x="1026493" y="1746383"/>
+              <a:ext cx="144000" cy="144000"/>
+            </a:xfrm>
+            <a:prstGeom prst="ellipse">
+              <a:avLst/>
+            </a:prstGeom>
+            <a:solidFill>
+              <a:schemeClr val="bg1"/>
+            </a:solidFill>
+            <a:ln w="28575">
+              <a:solidFill>
+                <a:schemeClr val="tx1"/>
+              </a:solidFill>
+            </a:ln>
+          </p:spPr>
+          <p:style>
+            <a:lnRef idx="2">
+              <a:schemeClr val="accent1">
+                <a:shade val="50000"/>
+              </a:schemeClr>
+            </a:lnRef>
+            <a:fillRef idx="1">
+              <a:schemeClr val="accent1"/>
+            </a:fillRef>
+            <a:effectRef idx="0">
+              <a:schemeClr val="accent1"/>
+            </a:effectRef>
+            <a:fontRef idx="minor">
+              <a:schemeClr val="lt1"/>
+            </a:fontRef>
+          </p:style>
+          <p:txBody>
+            <a:bodyPr rtlCol="0" anchor="ctr"/>
+            <a:lstStyle/>
+            <a:p>
+              <a:pPr algn="ctr"/>
+              <a:endParaRPr lang="en-GB"/>
+            </a:p>
+          </p:txBody>
+        </p:sp>
+        <p:cxnSp>
+          <p:nvCxnSpPr>
+            <p:cNvPr id="171" name="Straight Connector 170"/>
+            <p:cNvCxnSpPr>
+              <a:endCxn id="170" idx="0"/>
+            </p:cNvCxnSpPr>
+            <p:nvPr/>
+          </p:nvCxnSpPr>
+          <p:spPr>
+            <a:xfrm>
+              <a:off x="1098493" y="1314326"/>
+              <a:ext cx="0" cy="432057"/>
+            </a:xfrm>
+            <a:prstGeom prst="line">
+              <a:avLst/>
+            </a:prstGeom>
+            <a:ln w="28575">
+              <a:solidFill>
+                <a:schemeClr val="tx1"/>
+              </a:solidFill>
+            </a:ln>
+          </p:spPr>
+          <p:style>
+            <a:lnRef idx="1">
+              <a:schemeClr val="accent1"/>
+            </a:lnRef>
+            <a:fillRef idx="0">
+              <a:schemeClr val="accent1"/>
+            </a:fillRef>
+            <a:effectRef idx="0">
+              <a:schemeClr val="accent1"/>
+            </a:effectRef>
+            <a:fontRef idx="minor">
+              <a:schemeClr val="tx1"/>
+            </a:fontRef>
+          </p:style>
+        </p:cxnSp>
+      </p:grpSp>
+      <p:grpSp>
+        <p:nvGrpSpPr>
+          <p:cNvPr id="172" name="Group 171"/>
+          <p:cNvGrpSpPr>
+            <a:grpSpLocks noChangeAspect="1"/>
+          </p:cNvGrpSpPr>
+          <p:nvPr/>
+        </p:nvGrpSpPr>
+        <p:grpSpPr>
+          <a:xfrm>
+            <a:off x="2676603" y="1408061"/>
+            <a:ext cx="110592" cy="442412"/>
+            <a:chOff x="1026493" y="1314326"/>
+            <a:chExt cx="144000" cy="576057"/>
+          </a:xfrm>
+        </p:grpSpPr>
+        <p:sp>
+          <p:nvSpPr>
+            <p:cNvPr id="173" name="Oval 172"/>
+            <p:cNvSpPr/>
+            <p:nvPr/>
+          </p:nvSpPr>
+          <p:spPr>
+            <a:xfrm>
+              <a:off x="1026493" y="1746383"/>
+              <a:ext cx="144000" cy="144000"/>
+            </a:xfrm>
+            <a:prstGeom prst="ellipse">
+              <a:avLst/>
+            </a:prstGeom>
+            <a:solidFill>
+              <a:schemeClr val="bg1"/>
+            </a:solidFill>
+            <a:ln w="28575">
+              <a:solidFill>
+                <a:schemeClr val="tx1"/>
+              </a:solidFill>
+            </a:ln>
+          </p:spPr>
+          <p:style>
+            <a:lnRef idx="2">
+              <a:schemeClr val="accent1">
+                <a:shade val="50000"/>
+              </a:schemeClr>
+            </a:lnRef>
+            <a:fillRef idx="1">
+              <a:schemeClr val="accent1"/>
+            </a:fillRef>
+            <a:effectRef idx="0">
+              <a:schemeClr val="accent1"/>
+            </a:effectRef>
+            <a:fontRef idx="minor">
+              <a:schemeClr val="lt1"/>
+            </a:fontRef>
+          </p:style>
+          <p:txBody>
+            <a:bodyPr rtlCol="0" anchor="ctr"/>
+            <a:lstStyle/>
+            <a:p>
+              <a:pPr algn="ctr"/>
+              <a:endParaRPr lang="en-GB"/>
+            </a:p>
+          </p:txBody>
+        </p:sp>
+        <p:cxnSp>
+          <p:nvCxnSpPr>
+            <p:cNvPr id="174" name="Straight Connector 173"/>
+            <p:cNvCxnSpPr>
+              <a:endCxn id="173" idx="0"/>
+            </p:cNvCxnSpPr>
+            <p:nvPr/>
+          </p:nvCxnSpPr>
+          <p:spPr>
+            <a:xfrm>
+              <a:off x="1098493" y="1314326"/>
+              <a:ext cx="0" cy="432057"/>
+            </a:xfrm>
+            <a:prstGeom prst="line">
+              <a:avLst/>
+            </a:prstGeom>
+            <a:ln w="28575">
+              <a:solidFill>
+                <a:schemeClr val="tx1"/>
+              </a:solidFill>
+            </a:ln>
+          </p:spPr>
+          <p:style>
+            <a:lnRef idx="1">
+              <a:schemeClr val="accent1"/>
+            </a:lnRef>
+            <a:fillRef idx="0">
+              <a:schemeClr val="accent1"/>
+            </a:fillRef>
+            <a:effectRef idx="0">
+              <a:schemeClr val="accent1"/>
+            </a:effectRef>
+            <a:fontRef idx="minor">
+              <a:schemeClr val="tx1"/>
+            </a:fontRef>
+          </p:style>
+        </p:cxnSp>
+      </p:grpSp>
+      <p:grpSp>
+        <p:nvGrpSpPr>
+          <p:cNvPr id="175" name="Group 174"/>
+          <p:cNvGrpSpPr>
+            <a:grpSpLocks noChangeAspect="1"/>
+          </p:cNvGrpSpPr>
+          <p:nvPr/>
+        </p:nvGrpSpPr>
+        <p:grpSpPr>
+          <a:xfrm>
+            <a:off x="2819015" y="1408429"/>
+            <a:ext cx="110592" cy="442412"/>
+            <a:chOff x="1026493" y="1314326"/>
+            <a:chExt cx="144000" cy="576057"/>
+          </a:xfrm>
+        </p:grpSpPr>
+        <p:sp>
+          <p:nvSpPr>
+            <p:cNvPr id="176" name="Oval 175"/>
+            <p:cNvSpPr/>
+            <p:nvPr/>
+          </p:nvSpPr>
+          <p:spPr>
+            <a:xfrm>
+              <a:off x="1026493" y="1746383"/>
+              <a:ext cx="144000" cy="144000"/>
+            </a:xfrm>
+            <a:prstGeom prst="ellipse">
+              <a:avLst/>
+            </a:prstGeom>
+            <a:solidFill>
+              <a:schemeClr val="bg1"/>
+            </a:solidFill>
+            <a:ln w="28575">
+              <a:solidFill>
+                <a:schemeClr val="tx1"/>
+              </a:solidFill>
+            </a:ln>
+          </p:spPr>
+          <p:style>
+            <a:lnRef idx="2">
+              <a:schemeClr val="accent1">
+                <a:shade val="50000"/>
+              </a:schemeClr>
+            </a:lnRef>
+            <a:fillRef idx="1">
+              <a:schemeClr val="accent1"/>
+            </a:fillRef>
+            <a:effectRef idx="0">
+              <a:schemeClr val="accent1"/>
+            </a:effectRef>
+            <a:fontRef idx="minor">
+              <a:schemeClr val="lt1"/>
+            </a:fontRef>
+          </p:style>
+          <p:txBody>
+            <a:bodyPr rtlCol="0" anchor="ctr"/>
+            <a:lstStyle/>
+            <a:p>
+              <a:pPr algn="ctr"/>
+              <a:endParaRPr lang="en-GB"/>
+            </a:p>
+          </p:txBody>
+        </p:sp>
+        <p:cxnSp>
+          <p:nvCxnSpPr>
+            <p:cNvPr id="177" name="Straight Connector 176"/>
+            <p:cNvCxnSpPr>
+              <a:endCxn id="176" idx="0"/>
+            </p:cNvCxnSpPr>
+            <p:nvPr/>
+          </p:nvCxnSpPr>
+          <p:spPr>
+            <a:xfrm>
+              <a:off x="1098493" y="1314326"/>
+              <a:ext cx="0" cy="432057"/>
+            </a:xfrm>
+            <a:prstGeom prst="line">
+              <a:avLst/>
+            </a:prstGeom>
+            <a:ln w="28575">
+              <a:solidFill>
+                <a:schemeClr val="tx1"/>
+              </a:solidFill>
+            </a:ln>
+          </p:spPr>
+          <p:style>
+            <a:lnRef idx="1">
+              <a:schemeClr val="accent1"/>
+            </a:lnRef>
+            <a:fillRef idx="0">
+              <a:schemeClr val="accent1"/>
+            </a:fillRef>
+            <a:effectRef idx="0">
+              <a:schemeClr val="accent1"/>
+            </a:effectRef>
+            <a:fontRef idx="minor">
+              <a:schemeClr val="tx1"/>
+            </a:fontRef>
+          </p:style>
+        </p:cxnSp>
+      </p:grpSp>
+      <p:grpSp>
+        <p:nvGrpSpPr>
+          <p:cNvPr id="178" name="Group 177"/>
+          <p:cNvGrpSpPr>
+            <a:grpSpLocks noChangeAspect="1"/>
+          </p:cNvGrpSpPr>
+          <p:nvPr/>
+        </p:nvGrpSpPr>
+        <p:grpSpPr>
+          <a:xfrm>
+            <a:off x="2960715" y="1409403"/>
+            <a:ext cx="110592" cy="442412"/>
+            <a:chOff x="1026493" y="1314326"/>
+            <a:chExt cx="144000" cy="576057"/>
+          </a:xfrm>
+        </p:grpSpPr>
+        <p:sp>
+          <p:nvSpPr>
+            <p:cNvPr id="179" name="Oval 178"/>
+            <p:cNvSpPr/>
+            <p:nvPr/>
+          </p:nvSpPr>
+          <p:spPr>
+            <a:xfrm>
+              <a:off x="1026493" y="1746383"/>
+              <a:ext cx="144000" cy="144000"/>
+            </a:xfrm>
+            <a:prstGeom prst="ellipse">
+              <a:avLst/>
+            </a:prstGeom>
+            <a:solidFill>
+              <a:schemeClr val="bg1"/>
+            </a:solidFill>
+            <a:ln w="28575">
+              <a:solidFill>
+                <a:schemeClr val="tx1"/>
+              </a:solidFill>
+            </a:ln>
+          </p:spPr>
+          <p:style>
+            <a:lnRef idx="2">
+              <a:schemeClr val="accent1">
+                <a:shade val="50000"/>
+              </a:schemeClr>
+            </a:lnRef>
+            <a:fillRef idx="1">
+              <a:schemeClr val="accent1"/>
+            </a:fillRef>
+            <a:effectRef idx="0">
+              <a:schemeClr val="accent1"/>
+            </a:effectRef>
+            <a:fontRef idx="minor">
+              <a:schemeClr val="lt1"/>
+            </a:fontRef>
+          </p:style>
+          <p:txBody>
+            <a:bodyPr rtlCol="0" anchor="ctr"/>
+            <a:lstStyle/>
+            <a:p>
+              <a:pPr algn="ctr"/>
+              <a:endParaRPr lang="en-GB"/>
+            </a:p>
+          </p:txBody>
+        </p:sp>
+        <p:cxnSp>
+          <p:nvCxnSpPr>
+            <p:cNvPr id="180" name="Straight Connector 179"/>
+            <p:cNvCxnSpPr>
+              <a:endCxn id="179" idx="0"/>
+            </p:cNvCxnSpPr>
+            <p:nvPr/>
+          </p:nvCxnSpPr>
+          <p:spPr>
+            <a:xfrm>
+              <a:off x="1098493" y="1314326"/>
+              <a:ext cx="0" cy="432057"/>
+            </a:xfrm>
+            <a:prstGeom prst="line">
+              <a:avLst/>
+            </a:prstGeom>
+            <a:ln w="28575">
+              <a:solidFill>
+                <a:schemeClr val="tx1"/>
+              </a:solidFill>
+            </a:ln>
+          </p:spPr>
+          <p:style>
+            <a:lnRef idx="1">
+              <a:schemeClr val="accent1"/>
+            </a:lnRef>
+            <a:fillRef idx="0">
+              <a:schemeClr val="accent1"/>
+            </a:fillRef>
+            <a:effectRef idx="0">
+              <a:schemeClr val="accent1"/>
+            </a:effectRef>
+            <a:fontRef idx="minor">
+              <a:schemeClr val="tx1"/>
+            </a:fontRef>
+          </p:style>
+        </p:cxnSp>
+      </p:grpSp>
+      <p:grpSp>
+        <p:nvGrpSpPr>
+          <p:cNvPr id="181" name="Group 180"/>
+          <p:cNvGrpSpPr>
+            <a:grpSpLocks noChangeAspect="1"/>
+          </p:cNvGrpSpPr>
+          <p:nvPr/>
+        </p:nvGrpSpPr>
+        <p:grpSpPr>
+          <a:xfrm>
+            <a:off x="3095100" y="1407693"/>
+            <a:ext cx="110592" cy="442412"/>
+            <a:chOff x="1026493" y="1314326"/>
+            <a:chExt cx="144000" cy="576057"/>
+          </a:xfrm>
+        </p:grpSpPr>
+        <p:sp>
+          <p:nvSpPr>
+            <p:cNvPr id="182" name="Oval 181"/>
+            <p:cNvSpPr/>
+            <p:nvPr/>
+          </p:nvSpPr>
+          <p:spPr>
+            <a:xfrm>
+              <a:off x="1026493" y="1746383"/>
+              <a:ext cx="144000" cy="144000"/>
+            </a:xfrm>
+            <a:prstGeom prst="ellipse">
+              <a:avLst/>
+            </a:prstGeom>
+            <a:solidFill>
+              <a:schemeClr val="bg1"/>
+            </a:solidFill>
+            <a:ln w="28575">
+              <a:solidFill>
+                <a:schemeClr val="tx1"/>
+              </a:solidFill>
+            </a:ln>
+          </p:spPr>
+          <p:style>
+            <a:lnRef idx="2">
+              <a:schemeClr val="accent1">
+                <a:shade val="50000"/>
+              </a:schemeClr>
+            </a:lnRef>
+            <a:fillRef idx="1">
+              <a:schemeClr val="accent1"/>
+            </a:fillRef>
+            <a:effectRef idx="0">
+              <a:schemeClr val="accent1"/>
+            </a:effectRef>
+            <a:fontRef idx="minor">
+              <a:schemeClr val="lt1"/>
+            </a:fontRef>
+          </p:style>
+          <p:txBody>
+            <a:bodyPr rtlCol="0" anchor="ctr"/>
+            <a:lstStyle/>
+            <a:p>
+              <a:pPr algn="ctr"/>
+              <a:endParaRPr lang="en-GB"/>
+            </a:p>
+          </p:txBody>
+        </p:sp>
+        <p:cxnSp>
+          <p:nvCxnSpPr>
+            <p:cNvPr id="183" name="Straight Connector 182"/>
+            <p:cNvCxnSpPr>
+              <a:endCxn id="182" idx="0"/>
+            </p:cNvCxnSpPr>
+            <p:nvPr/>
+          </p:nvCxnSpPr>
+          <p:spPr>
+            <a:xfrm>
+              <a:off x="1098493" y="1314326"/>
+              <a:ext cx="0" cy="432057"/>
+            </a:xfrm>
+            <a:prstGeom prst="line">
+              <a:avLst/>
+            </a:prstGeom>
+            <a:ln w="28575">
+              <a:solidFill>
+                <a:schemeClr val="tx1"/>
+              </a:solidFill>
+            </a:ln>
+          </p:spPr>
+          <p:style>
+            <a:lnRef idx="1">
+              <a:schemeClr val="accent1"/>
+            </a:lnRef>
+            <a:fillRef idx="0">
+              <a:schemeClr val="accent1"/>
+            </a:fillRef>
+            <a:effectRef idx="0">
+              <a:schemeClr val="accent1"/>
+            </a:effectRef>
+            <a:fontRef idx="minor">
+              <a:schemeClr val="tx1"/>
+            </a:fontRef>
+          </p:style>
+        </p:cxnSp>
+      </p:grpSp>
+      <p:grpSp>
+        <p:nvGrpSpPr>
+          <p:cNvPr id="184" name="Group 183"/>
+          <p:cNvGrpSpPr>
+            <a:grpSpLocks noChangeAspect="1"/>
+          </p:cNvGrpSpPr>
+          <p:nvPr/>
+        </p:nvGrpSpPr>
+        <p:grpSpPr>
+          <a:xfrm>
+            <a:off x="3233851" y="1407693"/>
+            <a:ext cx="110592" cy="442412"/>
+            <a:chOff x="1026493" y="1314326"/>
+            <a:chExt cx="144000" cy="576057"/>
+          </a:xfrm>
+        </p:grpSpPr>
+        <p:sp>
+          <p:nvSpPr>
+            <p:cNvPr id="185" name="Oval 184"/>
+            <p:cNvSpPr/>
+            <p:nvPr/>
+          </p:nvSpPr>
+          <p:spPr>
+            <a:xfrm>
+              <a:off x="1026493" y="1746383"/>
+              <a:ext cx="144000" cy="144000"/>
+            </a:xfrm>
+            <a:prstGeom prst="ellipse">
+              <a:avLst/>
+            </a:prstGeom>
+            <a:solidFill>
+              <a:schemeClr val="bg1"/>
+            </a:solidFill>
+            <a:ln w="28575">
+              <a:solidFill>
+                <a:schemeClr val="tx1"/>
+              </a:solidFill>
+            </a:ln>
+          </p:spPr>
+          <p:style>
+            <a:lnRef idx="2">
+              <a:schemeClr val="accent1">
+                <a:shade val="50000"/>
+              </a:schemeClr>
+            </a:lnRef>
+            <a:fillRef idx="1">
+              <a:schemeClr val="accent1"/>
+            </a:fillRef>
+            <a:effectRef idx="0">
+              <a:schemeClr val="accent1"/>
+            </a:effectRef>
+            <a:fontRef idx="minor">
+              <a:schemeClr val="lt1"/>
+            </a:fontRef>
+          </p:style>
+          <p:txBody>
+            <a:bodyPr rtlCol="0" anchor="ctr"/>
+            <a:lstStyle/>
+            <a:p>
+              <a:pPr algn="ctr"/>
+              <a:endParaRPr lang="en-GB"/>
+            </a:p>
+          </p:txBody>
+        </p:sp>
+        <p:cxnSp>
+          <p:nvCxnSpPr>
+            <p:cNvPr id="186" name="Straight Connector 185"/>
+            <p:cNvCxnSpPr>
+              <a:endCxn id="185" idx="0"/>
+            </p:cNvCxnSpPr>
+            <p:nvPr/>
+          </p:nvCxnSpPr>
+          <p:spPr>
+            <a:xfrm>
+              <a:off x="1098493" y="1314326"/>
+              <a:ext cx="0" cy="432057"/>
+            </a:xfrm>
+            <a:prstGeom prst="line">
+              <a:avLst/>
+            </a:prstGeom>
+            <a:ln w="28575">
+              <a:solidFill>
+                <a:schemeClr val="tx1"/>
+              </a:solidFill>
+            </a:ln>
+          </p:spPr>
+          <p:style>
+            <a:lnRef idx="1">
+              <a:schemeClr val="accent1"/>
+            </a:lnRef>
+            <a:fillRef idx="0">
+              <a:schemeClr val="accent1"/>
+            </a:fillRef>
+            <a:effectRef idx="0">
+              <a:schemeClr val="accent1"/>
+            </a:effectRef>
+            <a:fontRef idx="minor">
+              <a:schemeClr val="tx1"/>
+            </a:fontRef>
+          </p:style>
+        </p:cxnSp>
+      </p:grpSp>
+      <p:grpSp>
+        <p:nvGrpSpPr>
+          <p:cNvPr id="187" name="Group 186"/>
+          <p:cNvGrpSpPr>
+            <a:grpSpLocks noChangeAspect="1"/>
+          </p:cNvGrpSpPr>
+          <p:nvPr/>
+        </p:nvGrpSpPr>
+        <p:grpSpPr>
+          <a:xfrm>
+            <a:off x="3376263" y="1408061"/>
+            <a:ext cx="110592" cy="442412"/>
+            <a:chOff x="1026493" y="1314326"/>
+            <a:chExt cx="144000" cy="576057"/>
+          </a:xfrm>
+        </p:grpSpPr>
+        <p:sp>
+          <p:nvSpPr>
+            <p:cNvPr id="188" name="Oval 187"/>
+            <p:cNvSpPr/>
+            <p:nvPr/>
+          </p:nvSpPr>
+          <p:spPr>
+            <a:xfrm>
+              <a:off x="1026493" y="1746383"/>
+              <a:ext cx="144000" cy="144000"/>
+            </a:xfrm>
+            <a:prstGeom prst="ellipse">
+              <a:avLst/>
+            </a:prstGeom>
+            <a:solidFill>
+              <a:schemeClr val="bg1"/>
+            </a:solidFill>
+            <a:ln w="28575">
+              <a:solidFill>
+                <a:schemeClr val="tx1"/>
+              </a:solidFill>
+            </a:ln>
+          </p:spPr>
+          <p:style>
+            <a:lnRef idx="2">
+              <a:schemeClr val="accent1">
+                <a:shade val="50000"/>
+              </a:schemeClr>
+            </a:lnRef>
+            <a:fillRef idx="1">
+              <a:schemeClr val="accent1"/>
+            </a:fillRef>
+            <a:effectRef idx="0">
+              <a:schemeClr val="accent1"/>
+            </a:effectRef>
+            <a:fontRef idx="minor">
+              <a:schemeClr val="lt1"/>
+            </a:fontRef>
+          </p:style>
+          <p:txBody>
+            <a:bodyPr rtlCol="0" anchor="ctr"/>
+            <a:lstStyle/>
+            <a:p>
+              <a:pPr algn="ctr"/>
+              <a:endParaRPr lang="en-GB"/>
+            </a:p>
+          </p:txBody>
+        </p:sp>
+        <p:cxnSp>
+          <p:nvCxnSpPr>
+            <p:cNvPr id="189" name="Straight Connector 188"/>
+            <p:cNvCxnSpPr>
+              <a:endCxn id="188" idx="0"/>
+            </p:cNvCxnSpPr>
+            <p:nvPr/>
+          </p:nvCxnSpPr>
+          <p:spPr>
+            <a:xfrm>
+              <a:off x="1098493" y="1314326"/>
+              <a:ext cx="0" cy="432057"/>
+            </a:xfrm>
+            <a:prstGeom prst="line">
+              <a:avLst/>
+            </a:prstGeom>
+            <a:ln w="28575">
+              <a:solidFill>
+                <a:schemeClr val="tx1"/>
+              </a:solidFill>
+            </a:ln>
+          </p:spPr>
+          <p:style>
+            <a:lnRef idx="1">
+              <a:schemeClr val="accent1"/>
+            </a:lnRef>
+            <a:fillRef idx="0">
+              <a:schemeClr val="accent1"/>
+            </a:fillRef>
+            <a:effectRef idx="0">
+              <a:schemeClr val="accent1"/>
+            </a:effectRef>
+            <a:fontRef idx="minor">
+              <a:schemeClr val="tx1"/>
+            </a:fontRef>
+          </p:style>
+        </p:cxnSp>
+      </p:grpSp>
+      <p:grpSp>
+        <p:nvGrpSpPr>
+          <p:cNvPr id="190" name="Group 189"/>
+          <p:cNvGrpSpPr>
+            <a:grpSpLocks noChangeAspect="1"/>
+          </p:cNvGrpSpPr>
+          <p:nvPr/>
+        </p:nvGrpSpPr>
+        <p:grpSpPr>
+          <a:xfrm>
+            <a:off x="3517963" y="1409035"/>
+            <a:ext cx="110592" cy="442412"/>
+            <a:chOff x="1026493" y="1314326"/>
+            <a:chExt cx="144000" cy="576057"/>
+          </a:xfrm>
+        </p:grpSpPr>
+        <p:sp>
+          <p:nvSpPr>
+            <p:cNvPr id="191" name="Oval 190"/>
+            <p:cNvSpPr/>
+            <p:nvPr/>
+          </p:nvSpPr>
+          <p:spPr>
+            <a:xfrm>
+              <a:off x="1026493" y="1746383"/>
+              <a:ext cx="144000" cy="144000"/>
+            </a:xfrm>
+            <a:prstGeom prst="ellipse">
+              <a:avLst/>
+            </a:prstGeom>
+            <a:solidFill>
+              <a:schemeClr val="bg1"/>
+            </a:solidFill>
+            <a:ln w="28575">
+              <a:solidFill>
+                <a:schemeClr val="tx1"/>
+              </a:solidFill>
+            </a:ln>
+          </p:spPr>
+          <p:style>
+            <a:lnRef idx="2">
+              <a:schemeClr val="accent1">
+                <a:shade val="50000"/>
+              </a:schemeClr>
+            </a:lnRef>
+            <a:fillRef idx="1">
+              <a:schemeClr val="accent1"/>
+            </a:fillRef>
+            <a:effectRef idx="0">
+              <a:schemeClr val="accent1"/>
+            </a:effectRef>
+            <a:fontRef idx="minor">
+              <a:schemeClr val="lt1"/>
+            </a:fontRef>
+          </p:style>
+          <p:txBody>
+            <a:bodyPr rtlCol="0" anchor="ctr"/>
+            <a:lstStyle/>
+            <a:p>
+              <a:pPr algn="ctr"/>
+              <a:endParaRPr lang="en-GB"/>
+            </a:p>
+          </p:txBody>
+        </p:sp>
+        <p:cxnSp>
+          <p:nvCxnSpPr>
+            <p:cNvPr id="192" name="Straight Connector 191"/>
+            <p:cNvCxnSpPr>
+              <a:endCxn id="191" idx="0"/>
+            </p:cNvCxnSpPr>
+            <p:nvPr/>
+          </p:nvCxnSpPr>
+          <p:spPr>
+            <a:xfrm>
+              <a:off x="1098493" y="1314326"/>
+              <a:ext cx="0" cy="432057"/>
+            </a:xfrm>
+            <a:prstGeom prst="line">
+              <a:avLst/>
+            </a:prstGeom>
+            <a:ln w="28575">
+              <a:solidFill>
+                <a:schemeClr val="tx1"/>
+              </a:solidFill>
+            </a:ln>
+          </p:spPr>
+          <p:style>
+            <a:lnRef idx="1">
+              <a:schemeClr val="accent1"/>
+            </a:lnRef>
+            <a:fillRef idx="0">
+              <a:schemeClr val="accent1"/>
+            </a:fillRef>
+            <a:effectRef idx="0">
+              <a:schemeClr val="accent1"/>
+            </a:effectRef>
+            <a:fontRef idx="minor">
+              <a:schemeClr val="tx1"/>
+            </a:fontRef>
+          </p:style>
+        </p:cxnSp>
+      </p:grpSp>
+      <p:grpSp>
+        <p:nvGrpSpPr>
+          <p:cNvPr id="193" name="Group 192"/>
+          <p:cNvGrpSpPr>
+            <a:grpSpLocks noChangeAspect="1"/>
+          </p:cNvGrpSpPr>
+          <p:nvPr/>
+        </p:nvGrpSpPr>
+        <p:grpSpPr>
+          <a:xfrm>
+            <a:off x="1633644" y="259625"/>
+            <a:ext cx="165888" cy="663618"/>
+            <a:chOff x="1026493" y="1314326"/>
+            <a:chExt cx="144000" cy="576057"/>
+          </a:xfrm>
+        </p:grpSpPr>
+        <p:sp>
+          <p:nvSpPr>
+            <p:cNvPr id="194" name="Oval 193"/>
+            <p:cNvSpPr/>
+            <p:nvPr/>
+          </p:nvSpPr>
+          <p:spPr>
+            <a:xfrm>
+              <a:off x="1026493" y="1746383"/>
+              <a:ext cx="144000" cy="144000"/>
+            </a:xfrm>
+            <a:prstGeom prst="ellipse">
+              <a:avLst/>
+            </a:prstGeom>
+            <a:solidFill>
+              <a:schemeClr val="bg1"/>
+            </a:solidFill>
+            <a:ln w="28575">
+              <a:solidFill>
+                <a:schemeClr val="tx1"/>
+              </a:solidFill>
+            </a:ln>
+          </p:spPr>
+          <p:style>
+            <a:lnRef idx="2">
+              <a:schemeClr val="accent1">
+                <a:shade val="50000"/>
+              </a:schemeClr>
+            </a:lnRef>
+            <a:fillRef idx="1">
+              <a:schemeClr val="accent1"/>
+            </a:fillRef>
+            <a:effectRef idx="0">
+              <a:schemeClr val="accent1"/>
+            </a:effectRef>
+            <a:fontRef idx="minor">
+              <a:schemeClr val="lt1"/>
+            </a:fontRef>
+          </p:style>
+          <p:txBody>
+            <a:bodyPr rtlCol="0" anchor="ctr"/>
+            <a:lstStyle/>
+            <a:p>
+              <a:pPr algn="ctr"/>
+              <a:endParaRPr lang="en-GB"/>
+            </a:p>
+          </p:txBody>
+        </p:sp>
+        <p:cxnSp>
+          <p:nvCxnSpPr>
+            <p:cNvPr id="195" name="Straight Connector 194"/>
+            <p:cNvCxnSpPr>
+              <a:endCxn id="194" idx="0"/>
+            </p:cNvCxnSpPr>
+            <p:nvPr/>
+          </p:nvCxnSpPr>
+          <p:spPr>
+            <a:xfrm>
+              <a:off x="1098493" y="1314326"/>
+              <a:ext cx="0" cy="432057"/>
+            </a:xfrm>
+            <a:prstGeom prst="line">
+              <a:avLst/>
+            </a:prstGeom>
+            <a:ln w="28575">
+              <a:solidFill>
+                <a:schemeClr val="tx1"/>
+              </a:solidFill>
+            </a:ln>
+          </p:spPr>
+          <p:style>
+            <a:lnRef idx="1">
+              <a:schemeClr val="accent1"/>
+            </a:lnRef>
+            <a:fillRef idx="0">
+              <a:schemeClr val="accent1"/>
+            </a:fillRef>
+            <a:effectRef idx="0">
+              <a:schemeClr val="accent1"/>
+            </a:effectRef>
+            <a:fontRef idx="minor">
+              <a:schemeClr val="tx1"/>
+            </a:fontRef>
+          </p:style>
+        </p:cxnSp>
+      </p:grpSp>
+      <p:sp>
+        <p:nvSpPr>
+          <p:cNvPr id="196" name="TextBox 195"/>
+          <p:cNvSpPr txBox="1"/>
+          <p:nvPr/>
+        </p:nvSpPr>
+        <p:spPr>
+          <a:xfrm>
+            <a:off x="1722271" y="243265"/>
+            <a:ext cx="1902444" cy="400110"/>
+          </a:xfrm>
+          <a:prstGeom prst="rect">
+            <a:avLst/>
+          </a:prstGeom>
+          <a:noFill/>
+        </p:spPr>
+        <p:txBody>
+          <a:bodyPr wrap="none" rtlCol="0">
+            <a:spAutoFit/>
+          </a:bodyPr>
+          <a:lstStyle/>
+          <a:p>
+            <a:r>
+              <a:rPr lang="en-GB" sz="2000" dirty="0" smtClean="0"/>
+              <a:t>Hydrophobic tail</a:t>
+            </a:r>
+            <a:endParaRPr lang="en-GB" sz="2000" dirty="0"/>
+          </a:p>
+        </p:txBody>
+      </p:sp>
+      <p:sp>
+        <p:nvSpPr>
+          <p:cNvPr id="197" name="TextBox 196"/>
+          <p:cNvSpPr txBox="1"/>
+          <p:nvPr/>
+        </p:nvSpPr>
+        <p:spPr>
+          <a:xfrm>
+            <a:off x="1746573" y="674205"/>
+            <a:ext cx="1947264" cy="400110"/>
+          </a:xfrm>
+          <a:prstGeom prst="rect">
+            <a:avLst/>
+          </a:prstGeom>
+          <a:noFill/>
+        </p:spPr>
+        <p:txBody>
+          <a:bodyPr wrap="none" rtlCol="0">
+            <a:spAutoFit/>
+          </a:bodyPr>
+          <a:lstStyle/>
+          <a:p>
+            <a:r>
+              <a:rPr lang="en-GB" sz="2000" dirty="0" smtClean="0"/>
+              <a:t>Hydrophilic head</a:t>
+            </a:r>
+            <a:endParaRPr lang="en-GB" sz="2000" dirty="0"/>
+          </a:p>
+        </p:txBody>
+      </p:sp>
+      <p:sp>
+        <p:nvSpPr>
+          <p:cNvPr id="198" name="Oval 197"/>
+          <p:cNvSpPr/>
+          <p:nvPr/>
+        </p:nvSpPr>
+        <p:spPr>
+          <a:xfrm>
+            <a:off x="1142560" y="76682"/>
+            <a:ext cx="2930107" cy="1101582"/>
+          </a:xfrm>
+          <a:prstGeom prst="ellipse">
+            <a:avLst/>
+          </a:prstGeom>
+          <a:noFill/>
+          <a:ln w="9525">
+            <a:solidFill>
+              <a:schemeClr val="tx1"/>
+            </a:solidFill>
+          </a:ln>
+        </p:spPr>
+        <p:style>
+          <a:lnRef idx="2">
+            <a:schemeClr val="accent1">
+              <a:shade val="50000"/>
+            </a:schemeClr>
+          </a:lnRef>
+          <a:fillRef idx="1">
+            <a:schemeClr val="accent1"/>
+          </a:fillRef>
+          <a:effectRef idx="0">
+            <a:schemeClr val="accent1"/>
+          </a:effectRef>
+          <a:fontRef idx="minor">
+            <a:schemeClr val="lt1"/>
+          </a:fontRef>
+        </p:style>
+        <p:txBody>
+          <a:bodyPr rtlCol="0" anchor="ctr"/>
+          <a:lstStyle/>
+          <a:p>
+            <a:pPr algn="ctr"/>
+            <a:endParaRPr lang="en-GB"/>
+          </a:p>
+        </p:txBody>
+      </p:sp>
+      <p:cxnSp>
+        <p:nvCxnSpPr>
+          <p:cNvPr id="201" name="Straight Arrow Connector 200"/>
+          <p:cNvCxnSpPr/>
+          <p:nvPr/>
+        </p:nvCxnSpPr>
+        <p:spPr>
+          <a:xfrm flipV="1">
+            <a:off x="1464050" y="1058413"/>
+            <a:ext cx="169594" cy="333378"/>
+          </a:xfrm>
+          <a:prstGeom prst="straightConnector1">
+            <a:avLst/>
+          </a:prstGeom>
+          <a:ln>
+            <a:solidFill>
+              <a:schemeClr val="tx1"/>
+            </a:solidFill>
+            <a:headEnd type="none" w="med" len="med"/>
+            <a:tailEnd type="triangle" w="med" len="med"/>
+          </a:ln>
+        </p:spPr>
+        <p:style>
+          <a:lnRef idx="1">
+            <a:schemeClr val="accent1"/>
+          </a:lnRef>
+          <a:fillRef idx="0">
+            <a:schemeClr val="accent1"/>
+          </a:fillRef>
+          <a:effectRef idx="0">
+            <a:schemeClr val="accent1"/>
+          </a:effectRef>
+          <a:fontRef idx="minor">
+            <a:schemeClr val="tx1"/>
+          </a:fontRef>
+        </p:style>
+      </p:cxnSp>
+      <p:sp>
+        <p:nvSpPr>
+          <p:cNvPr id="5" name="TextBox 4"/>
+          <p:cNvSpPr txBox="1"/>
+          <p:nvPr/>
+        </p:nvSpPr>
+        <p:spPr>
+          <a:xfrm>
+            <a:off x="3739117" y="2047390"/>
+            <a:ext cx="860979" cy="400110"/>
+          </a:xfrm>
+          <a:prstGeom prst="rect">
+            <a:avLst/>
+          </a:prstGeom>
+          <a:noFill/>
+        </p:spPr>
+        <p:txBody>
+          <a:bodyPr wrap="square" rtlCol="0">
+            <a:spAutoFit/>
+          </a:bodyPr>
+          <a:lstStyle/>
+          <a:p>
+            <a:r>
+              <a:rPr lang="en-GB" sz="2000" dirty="0" smtClean="0"/>
+              <a:t>Water</a:t>
+            </a:r>
+            <a:endParaRPr lang="en-GB" sz="2000" dirty="0"/>
+          </a:p>
+        </p:txBody>
+      </p:sp>
+      <p:sp>
+        <p:nvSpPr>
+          <p:cNvPr id="7" name="TextBox 6"/>
+          <p:cNvSpPr txBox="1"/>
+          <p:nvPr/>
+        </p:nvSpPr>
+        <p:spPr>
+          <a:xfrm>
+            <a:off x="378421" y="1950961"/>
+            <a:ext cx="1152128" cy="400110"/>
+          </a:xfrm>
+          <a:prstGeom prst="rect">
+            <a:avLst/>
+          </a:prstGeom>
+          <a:noFill/>
+        </p:spPr>
+        <p:txBody>
+          <a:bodyPr wrap="square" rtlCol="0">
+            <a:spAutoFit/>
+          </a:bodyPr>
+          <a:lstStyle/>
+          <a:p>
+            <a:r>
+              <a:rPr lang="en-GB" sz="2000" dirty="0" smtClean="0"/>
+              <a:t>Barrier</a:t>
+            </a:r>
+            <a:endParaRPr lang="en-GB" sz="2000" dirty="0"/>
+          </a:p>
+        </p:txBody>
+      </p:sp>
+      <p:cxnSp>
+        <p:nvCxnSpPr>
+          <p:cNvPr id="70" name="Straight Arrow Connector 69"/>
+          <p:cNvCxnSpPr/>
+          <p:nvPr/>
+        </p:nvCxnSpPr>
+        <p:spPr>
+          <a:xfrm flipH="1">
+            <a:off x="1148489" y="1949847"/>
+            <a:ext cx="180000" cy="121396"/>
+          </a:xfrm>
+          <a:prstGeom prst="straightConnector1">
+            <a:avLst/>
+          </a:prstGeom>
+          <a:ln>
+            <a:solidFill>
+              <a:schemeClr val="tx1"/>
+            </a:solidFill>
+            <a:headEnd type="none" w="med" len="med"/>
+            <a:tailEnd type="triangle" w="med" len="med"/>
+          </a:ln>
+        </p:spPr>
+        <p:style>
+          <a:lnRef idx="1">
+            <a:schemeClr val="accent1"/>
+          </a:lnRef>
+          <a:fillRef idx="0">
+            <a:schemeClr val="accent1"/>
+          </a:fillRef>
+          <a:effectRef idx="0">
+            <a:schemeClr val="accent1"/>
+          </a:effectRef>
+          <a:fontRef idx="minor">
+            <a:schemeClr val="tx1"/>
+          </a:fontRef>
+        </p:style>
+      </p:cxnSp>
     </p:spTree>
     <p:extLst>
       <p:ext uri="{BB962C8B-B14F-4D97-AF65-F5344CB8AC3E}">

--- a/Chapter2/Figures/Fig6.pptx
+++ b/Chapter2/Figures/Fig6.pptx
@@ -7,7 +7,7 @@
   <p:sldIdLst>
     <p:sldId id="256" r:id="rId2"/>
   </p:sldIdLst>
-  <p:sldSz cx="8821738" cy="3060700"/>
+  <p:sldSz cx="9361488" cy="3240088"/>
   <p:notesSz cx="6858000" cy="9144000"/>
   <p:defaultTextStyle>
     <a:defPPr>
@@ -136,8 +136,8 @@
         </p:nvSpPr>
         <p:spPr>
           <a:xfrm>
-            <a:off x="661631" y="950804"/>
-            <a:ext cx="7498477" cy="656067"/>
+            <a:off x="702113" y="1006531"/>
+            <a:ext cx="7957264" cy="694520"/>
           </a:xfrm>
         </p:spPr>
         <p:txBody>
@@ -164,8 +164,8 @@
         </p:nvSpPr>
         <p:spPr>
           <a:xfrm>
-            <a:off x="1323261" y="1734397"/>
-            <a:ext cx="6175218" cy="782178"/>
+            <a:off x="1404224" y="1836051"/>
+            <a:ext cx="6553043" cy="828022"/>
           </a:xfrm>
         </p:spPr>
         <p:txBody>
@@ -288,7 +288,7 @@
           <a:p>
             <a:fld id="{23A2AB6A-EA31-4589-BDB2-20870E31F36E}" type="datetimeFigureOut">
               <a:rPr lang="en-GB" smtClean="0"/>
-              <a:t>31/08/2014</a:t>
+              <a:t>26/09/2014</a:t>
             </a:fld>
             <a:endParaRPr lang="en-GB"/>
           </a:p>
@@ -458,7 +458,7 @@
           <a:p>
             <a:fld id="{23A2AB6A-EA31-4589-BDB2-20870E31F36E}" type="datetimeFigureOut">
               <a:rPr lang="en-GB" smtClean="0"/>
-              <a:t>31/08/2014</a:t>
+              <a:t>26/09/2014</a:t>
             </a:fld>
             <a:endParaRPr lang="en-GB"/>
           </a:p>
@@ -548,8 +548,8 @@
         </p:nvSpPr>
         <p:spPr>
           <a:xfrm>
-            <a:off x="6296211" y="58097"/>
-            <a:ext cx="1954260" cy="1233491"/>
+            <a:off x="6681439" y="61503"/>
+            <a:ext cx="2073830" cy="1305786"/>
           </a:xfrm>
         </p:spPr>
         <p:txBody>
@@ -576,8 +576,8 @@
         </p:nvSpPr>
         <p:spPr>
           <a:xfrm>
-            <a:off x="433431" y="58097"/>
-            <a:ext cx="5715751" cy="1233491"/>
+            <a:off x="459953" y="61503"/>
+            <a:ext cx="6065464" cy="1305786"/>
           </a:xfrm>
         </p:spPr>
         <p:txBody>
@@ -638,7 +638,7 @@
           <a:p>
             <a:fld id="{23A2AB6A-EA31-4589-BDB2-20870E31F36E}" type="datetimeFigureOut">
               <a:rPr lang="en-GB" smtClean="0"/>
-              <a:t>31/08/2014</a:t>
+              <a:t>26/09/2014</a:t>
             </a:fld>
             <a:endParaRPr lang="en-GB"/>
           </a:p>
@@ -808,7 +808,7 @@
           <a:p>
             <a:fld id="{23A2AB6A-EA31-4589-BDB2-20870E31F36E}" type="datetimeFigureOut">
               <a:rPr lang="en-GB" smtClean="0"/>
-              <a:t>31/08/2014</a:t>
+              <a:t>26/09/2014</a:t>
             </a:fld>
             <a:endParaRPr lang="en-GB"/>
           </a:p>
@@ -898,8 +898,8 @@
         </p:nvSpPr>
         <p:spPr>
           <a:xfrm>
-            <a:off x="696857" y="1966786"/>
-            <a:ext cx="7498477" cy="607889"/>
+            <a:off x="739494" y="2082062"/>
+            <a:ext cx="7957264" cy="643517"/>
           </a:xfrm>
         </p:spPr>
         <p:txBody>
@@ -930,8 +930,8 @@
         </p:nvSpPr>
         <p:spPr>
           <a:xfrm>
-            <a:off x="696857" y="1297257"/>
-            <a:ext cx="7498477" cy="669528"/>
+            <a:off x="739494" y="1373290"/>
+            <a:ext cx="7957264" cy="708769"/>
           </a:xfrm>
         </p:spPr>
         <p:txBody>
@@ -1054,7 +1054,7 @@
           <a:p>
             <a:fld id="{23A2AB6A-EA31-4589-BDB2-20870E31F36E}" type="datetimeFigureOut">
               <a:rPr lang="en-GB" smtClean="0"/>
-              <a:t>31/08/2014</a:t>
+              <a:t>26/09/2014</a:t>
             </a:fld>
             <a:endParaRPr lang="en-GB"/>
           </a:p>
@@ -1167,8 +1167,8 @@
         </p:nvSpPr>
         <p:spPr>
           <a:xfrm>
-            <a:off x="433430" y="337244"/>
-            <a:ext cx="3835006" cy="954344"/>
+            <a:off x="459949" y="357011"/>
+            <a:ext cx="4069647" cy="1010278"/>
           </a:xfrm>
         </p:spPr>
         <p:txBody>
@@ -1252,8 +1252,8 @@
         </p:nvSpPr>
         <p:spPr>
           <a:xfrm>
-            <a:off x="4415465" y="337244"/>
-            <a:ext cx="3835006" cy="954344"/>
+            <a:off x="4685621" y="357011"/>
+            <a:ext cx="4069647" cy="1010278"/>
           </a:xfrm>
         </p:spPr>
         <p:txBody>
@@ -1342,7 +1342,7 @@
           <a:p>
             <a:fld id="{23A2AB6A-EA31-4589-BDB2-20870E31F36E}" type="datetimeFigureOut">
               <a:rPr lang="en-GB" smtClean="0"/>
-              <a:t>31/08/2014</a:t>
+              <a:t>26/09/2014</a:t>
             </a:fld>
             <a:endParaRPr lang="en-GB"/>
           </a:p>
@@ -1432,8 +1432,8 @@
         </p:nvSpPr>
         <p:spPr>
           <a:xfrm>
-            <a:off x="441087" y="122573"/>
-            <a:ext cx="7939565" cy="510117"/>
+            <a:off x="468075" y="129759"/>
+            <a:ext cx="8425340" cy="540015"/>
           </a:xfrm>
         </p:spPr>
         <p:txBody>
@@ -1464,8 +1464,8 @@
         </p:nvSpPr>
         <p:spPr>
           <a:xfrm>
-            <a:off x="441087" y="685116"/>
-            <a:ext cx="3897800" cy="285523"/>
+            <a:off x="468075" y="725272"/>
+            <a:ext cx="4136283" cy="302257"/>
           </a:xfrm>
         </p:spPr>
         <p:txBody>
@@ -1529,8 +1529,8 @@
         </p:nvSpPr>
         <p:spPr>
           <a:xfrm>
-            <a:off x="441087" y="970641"/>
-            <a:ext cx="3897800" cy="1763445"/>
+            <a:off x="468075" y="1027533"/>
+            <a:ext cx="4136283" cy="1866801"/>
           </a:xfrm>
         </p:spPr>
         <p:txBody>
@@ -1614,8 +1614,8 @@
         </p:nvSpPr>
         <p:spPr>
           <a:xfrm>
-            <a:off x="4481322" y="685116"/>
-            <a:ext cx="3899330" cy="285523"/>
+            <a:off x="4755508" y="725272"/>
+            <a:ext cx="4137907" cy="302257"/>
           </a:xfrm>
         </p:spPr>
         <p:txBody>
@@ -1679,8 +1679,8 @@
         </p:nvSpPr>
         <p:spPr>
           <a:xfrm>
-            <a:off x="4481322" y="970641"/>
-            <a:ext cx="3899330" cy="1763445"/>
+            <a:off x="4755508" y="1027533"/>
+            <a:ext cx="4137907" cy="1866801"/>
           </a:xfrm>
         </p:spPr>
         <p:txBody>
@@ -1769,7 +1769,7 @@
           <a:p>
             <a:fld id="{23A2AB6A-EA31-4589-BDB2-20870E31F36E}" type="datetimeFigureOut">
               <a:rPr lang="en-GB" smtClean="0"/>
-              <a:t>31/08/2014</a:t>
+              <a:t>26/09/2014</a:t>
             </a:fld>
             <a:endParaRPr lang="en-GB"/>
           </a:p>
@@ -1887,7 +1887,7 @@
           <a:p>
             <a:fld id="{23A2AB6A-EA31-4589-BDB2-20870E31F36E}" type="datetimeFigureOut">
               <a:rPr lang="en-GB" smtClean="0"/>
-              <a:t>31/08/2014</a:t>
+              <a:t>26/09/2014</a:t>
             </a:fld>
             <a:endParaRPr lang="en-GB"/>
           </a:p>
@@ -1982,7 +1982,7 @@
           <a:p>
             <a:fld id="{23A2AB6A-EA31-4589-BDB2-20870E31F36E}" type="datetimeFigureOut">
               <a:rPr lang="en-GB" smtClean="0"/>
-              <a:t>31/08/2014</a:t>
+              <a:t>26/09/2014</a:t>
             </a:fld>
             <a:endParaRPr lang="en-GB"/>
           </a:p>
@@ -2072,8 +2072,8 @@
         </p:nvSpPr>
         <p:spPr>
           <a:xfrm>
-            <a:off x="441089" y="121863"/>
-            <a:ext cx="2902291" cy="518619"/>
+            <a:off x="468079" y="129006"/>
+            <a:ext cx="3079865" cy="549016"/>
           </a:xfrm>
         </p:spPr>
         <p:txBody>
@@ -2104,8 +2104,8 @@
         </p:nvSpPr>
         <p:spPr>
           <a:xfrm>
-            <a:off x="3449057" y="121864"/>
-            <a:ext cx="4931597" cy="2612222"/>
+            <a:off x="3660087" y="129007"/>
+            <a:ext cx="5233332" cy="2765325"/>
           </a:xfrm>
         </p:spPr>
         <p:txBody>
@@ -2189,8 +2189,8 @@
         </p:nvSpPr>
         <p:spPr>
           <a:xfrm>
-            <a:off x="441089" y="640480"/>
-            <a:ext cx="2902291" cy="2093604"/>
+            <a:off x="468079" y="678018"/>
+            <a:ext cx="3079865" cy="2216310"/>
           </a:xfrm>
         </p:spPr>
         <p:txBody>
@@ -2259,7 +2259,7 @@
           <a:p>
             <a:fld id="{23A2AB6A-EA31-4589-BDB2-20870E31F36E}" type="datetimeFigureOut">
               <a:rPr lang="en-GB" smtClean="0"/>
-              <a:t>31/08/2014</a:t>
+              <a:t>26/09/2014</a:t>
             </a:fld>
             <a:endParaRPr lang="en-GB"/>
           </a:p>
@@ -2349,8 +2349,8 @@
         </p:nvSpPr>
         <p:spPr>
           <a:xfrm>
-            <a:off x="1729124" y="2142489"/>
-            <a:ext cx="5293043" cy="252934"/>
+            <a:off x="1834922" y="2268061"/>
+            <a:ext cx="5616893" cy="267758"/>
           </a:xfrm>
         </p:spPr>
         <p:txBody>
@@ -2381,8 +2381,8 @@
         </p:nvSpPr>
         <p:spPr>
           <a:xfrm>
-            <a:off x="1729124" y="273482"/>
-            <a:ext cx="5293043" cy="1836420"/>
+            <a:off x="1834922" y="289511"/>
+            <a:ext cx="5616893" cy="1944053"/>
           </a:xfrm>
         </p:spPr>
         <p:txBody>
@@ -2442,8 +2442,8 @@
         </p:nvSpPr>
         <p:spPr>
           <a:xfrm>
-            <a:off x="1729124" y="2395423"/>
-            <a:ext cx="5293043" cy="359207"/>
+            <a:off x="1834922" y="2535820"/>
+            <a:ext cx="5616893" cy="380261"/>
           </a:xfrm>
         </p:spPr>
         <p:txBody>
@@ -2512,7 +2512,7 @@
           <a:p>
             <a:fld id="{23A2AB6A-EA31-4589-BDB2-20870E31F36E}" type="datetimeFigureOut">
               <a:rPr lang="en-GB" smtClean="0"/>
-              <a:t>31/08/2014</a:t>
+              <a:t>26/09/2014</a:t>
             </a:fld>
             <a:endParaRPr lang="en-GB"/>
           </a:p>
@@ -2607,8 +2607,8 @@
         </p:nvSpPr>
         <p:spPr>
           <a:xfrm>
-            <a:off x="441087" y="122573"/>
-            <a:ext cx="7939565" cy="510117"/>
+            <a:off x="468075" y="129759"/>
+            <a:ext cx="8425340" cy="540015"/>
           </a:xfrm>
           <a:prstGeom prst="rect">
             <a:avLst/>
@@ -2640,8 +2640,8 @@
         </p:nvSpPr>
         <p:spPr>
           <a:xfrm>
-            <a:off x="441087" y="714164"/>
-            <a:ext cx="7939565" cy="2019920"/>
+            <a:off x="468075" y="756022"/>
+            <a:ext cx="8425340" cy="2138308"/>
           </a:xfrm>
           <a:prstGeom prst="rect">
             <a:avLst/>
@@ -2702,8 +2702,8 @@
         </p:nvSpPr>
         <p:spPr>
           <a:xfrm>
-            <a:off x="441088" y="2836818"/>
-            <a:ext cx="2058407" cy="162954"/>
+            <a:off x="468078" y="3003085"/>
+            <a:ext cx="2184349" cy="172505"/>
           </a:xfrm>
           <a:prstGeom prst="rect">
             <a:avLst/>
@@ -2725,7 +2725,7 @@
           <a:p>
             <a:fld id="{23A2AB6A-EA31-4589-BDB2-20870E31F36E}" type="datetimeFigureOut">
               <a:rPr lang="en-GB" smtClean="0"/>
-              <a:t>31/08/2014</a:t>
+              <a:t>26/09/2014</a:t>
             </a:fld>
             <a:endParaRPr lang="en-GB"/>
           </a:p>
@@ -2743,8 +2743,8 @@
         </p:nvSpPr>
         <p:spPr>
           <a:xfrm>
-            <a:off x="3014095" y="2836818"/>
-            <a:ext cx="2793550" cy="162954"/>
+            <a:off x="3198510" y="3003085"/>
+            <a:ext cx="2964471" cy="172505"/>
           </a:xfrm>
           <a:prstGeom prst="rect">
             <a:avLst/>
@@ -2780,8 +2780,8 @@
         </p:nvSpPr>
         <p:spPr>
           <a:xfrm>
-            <a:off x="6322247" y="2836818"/>
-            <a:ext cx="2058407" cy="162954"/>
+            <a:off x="6709070" y="3003085"/>
+            <a:ext cx="2184349" cy="172505"/>
           </a:xfrm>
           <a:prstGeom prst="rect">
             <a:avLst/>
@@ -3102,13 +3102,13 @@
       </p:grpSpPr>
       <p:sp>
         <p:nvSpPr>
-          <p:cNvPr id="3" name="Rectangle 2"/>
+          <p:cNvPr id="261" name="Rectangle 260"/>
           <p:cNvSpPr/>
           <p:nvPr/>
         </p:nvSpPr>
         <p:spPr>
           <a:xfrm>
-            <a:off x="360901" y="1763571"/>
+            <a:off x="360901" y="1907587"/>
             <a:ext cx="4338000" cy="774891"/>
           </a:xfrm>
           <a:prstGeom prst="rect">
@@ -3151,7 +3151,7 @@
       </p:sp>
       <p:pic>
         <p:nvPicPr>
-          <p:cNvPr id="21" name="Picture 3" descr="C:\Users\Wendy\Documents\wwn20\Lit review\Figures\era2000-1.jpg"/>
+          <p:cNvPr id="262" name="Picture 3" descr="C:\Users\Wendy\Documents\wwn20\Lit review\Figures\era2000-1.jpg"/>
           <p:cNvPicPr>
             <a:picLocks noChangeAspect="1" noChangeArrowheads="1"/>
           </p:cNvPicPr>
@@ -3172,8 +3172,8 @@
         </p:blipFill>
         <p:spPr bwMode="auto">
           <a:xfrm>
-            <a:off x="4888359" y="5654"/>
-            <a:ext cx="4086225" cy="3038475"/>
+            <a:off x="4888358" y="-125434"/>
+            <a:ext cx="4599312" cy="3420000"/>
           </a:xfrm>
           <a:prstGeom prst="rect">
             <a:avLst/>
@@ -3192,13 +3192,13 @@
       </p:pic>
       <p:sp>
         <p:nvSpPr>
-          <p:cNvPr id="22" name="TextBox 21"/>
+          <p:cNvPr id="263" name="TextBox 262"/>
           <p:cNvSpPr txBox="1"/>
           <p:nvPr/>
         </p:nvSpPr>
         <p:spPr>
           <a:xfrm>
-            <a:off x="0" y="-25401"/>
+            <a:off x="0" y="118615"/>
             <a:ext cx="720080" cy="477054"/>
           </a:xfrm>
           <a:prstGeom prst="rect">
@@ -3222,7 +3222,7 @@
       </p:sp>
       <p:sp>
         <p:nvSpPr>
-          <p:cNvPr id="23" name="TextBox 22"/>
+          <p:cNvPr id="264" name="TextBox 263"/>
           <p:cNvSpPr txBox="1"/>
           <p:nvPr/>
         </p:nvSpPr>
@@ -3252,13 +3252,13 @@
       </p:sp>
       <p:sp>
         <p:nvSpPr>
-          <p:cNvPr id="2" name="Rectangle 1"/>
+          <p:cNvPr id="265" name="Rectangle 1"/>
           <p:cNvSpPr/>
           <p:nvPr/>
         </p:nvSpPr>
         <p:spPr>
           <a:xfrm>
-            <a:off x="360040" y="738262"/>
+            <a:off x="360040" y="882278"/>
             <a:ext cx="4338861" cy="1800200"/>
           </a:xfrm>
           <a:custGeom>
@@ -3360,7 +3360,7 @@
       </p:sp>
       <p:grpSp>
         <p:nvGrpSpPr>
-          <p:cNvPr id="8" name="Group 7"/>
+          <p:cNvPr id="266" name="Group 265"/>
           <p:cNvGrpSpPr>
             <a:grpSpLocks noChangeAspect="1"/>
           </p:cNvGrpSpPr>
@@ -3368,7 +3368,7 @@
         </p:nvGrpSpPr>
         <p:grpSpPr>
           <a:xfrm>
-            <a:off x="1408754" y="1412009"/>
+            <a:off x="1408754" y="1556025"/>
             <a:ext cx="110592" cy="442412"/>
             <a:chOff x="1026493" y="1314326"/>
             <a:chExt cx="144000" cy="576057"/>
@@ -3376,7 +3376,7 @@
         </p:grpSpPr>
         <p:sp>
           <p:nvSpPr>
-            <p:cNvPr id="4" name="Oval 3"/>
+            <p:cNvPr id="267" name="Oval 266"/>
             <p:cNvSpPr/>
             <p:nvPr/>
           </p:nvSpPr>
@@ -3424,9 +3424,9 @@
         </p:sp>
         <p:cxnSp>
           <p:nvCxnSpPr>
-            <p:cNvPr id="6" name="Straight Connector 5"/>
+            <p:cNvPr id="268" name="Straight Connector 267"/>
             <p:cNvCxnSpPr>
-              <a:endCxn id="4" idx="0"/>
+              <a:endCxn id="267" idx="0"/>
             </p:cNvCxnSpPr>
             <p:nvPr/>
           </p:nvCxnSpPr>
@@ -3462,13 +3462,13 @@
       </p:grpSp>
       <p:cxnSp>
         <p:nvCxnSpPr>
-          <p:cNvPr id="10" name="Straight Connector 9"/>
+          <p:cNvPr id="269" name="Straight Connector 268"/>
           <p:cNvCxnSpPr/>
           <p:nvPr/>
         </p:nvCxnSpPr>
         <p:spPr>
           <a:xfrm>
-            <a:off x="1361684" y="1520608"/>
+            <a:off x="1361684" y="1664624"/>
             <a:ext cx="0" cy="504056"/>
           </a:xfrm>
           <a:prstGeom prst="line">
@@ -3497,13 +3497,13 @@
       </p:cxnSp>
       <p:cxnSp>
         <p:nvCxnSpPr>
-          <p:cNvPr id="29" name="Straight Connector 28"/>
+          <p:cNvPr id="270" name="Straight Connector 269"/>
           <p:cNvCxnSpPr/>
           <p:nvPr/>
         </p:nvCxnSpPr>
         <p:spPr>
           <a:xfrm flipH="1">
-            <a:off x="360901" y="1772636"/>
+            <a:off x="360901" y="1916652"/>
             <a:ext cx="1000783" cy="0"/>
           </a:xfrm>
           <a:prstGeom prst="line">
@@ -3532,13 +3532,13 @@
       </p:cxnSp>
       <p:cxnSp>
         <p:nvCxnSpPr>
-          <p:cNvPr id="45" name="Straight Connector 44"/>
+          <p:cNvPr id="271" name="Straight Connector 270"/>
           <p:cNvCxnSpPr/>
           <p:nvPr/>
         </p:nvCxnSpPr>
         <p:spPr>
           <a:xfrm>
-            <a:off x="3662544" y="1530350"/>
+            <a:off x="3662544" y="1674366"/>
             <a:ext cx="0" cy="504056"/>
           </a:xfrm>
           <a:prstGeom prst="line">
@@ -3567,13 +3567,13 @@
       </p:cxnSp>
       <p:cxnSp>
         <p:nvCxnSpPr>
-          <p:cNvPr id="46" name="Straight Connector 45"/>
+          <p:cNvPr id="272" name="Straight Connector 271"/>
           <p:cNvCxnSpPr/>
           <p:nvPr/>
         </p:nvCxnSpPr>
         <p:spPr>
           <a:xfrm flipH="1" flipV="1">
-            <a:off x="3662544" y="1756753"/>
+            <a:off x="3662544" y="1900769"/>
             <a:ext cx="1026633" cy="6819"/>
           </a:xfrm>
           <a:prstGeom prst="line">
@@ -3602,13 +3602,13 @@
       </p:cxnSp>
       <p:sp>
         <p:nvSpPr>
-          <p:cNvPr id="63" name="Right Arrow 62"/>
+          <p:cNvPr id="273" name="Right Arrow 272"/>
           <p:cNvSpPr/>
           <p:nvPr/>
         </p:nvSpPr>
         <p:spPr>
           <a:xfrm>
-            <a:off x="837713" y="1520608"/>
+            <a:off x="837713" y="1664624"/>
             <a:ext cx="306413" cy="144016"/>
           </a:xfrm>
           <a:prstGeom prst="rightArrow">
@@ -3648,13 +3648,13 @@
       </p:sp>
       <p:sp>
         <p:nvSpPr>
-          <p:cNvPr id="64" name="Right Arrow 63"/>
+          <p:cNvPr id="274" name="Right Arrow 273"/>
           <p:cNvSpPr/>
           <p:nvPr/>
         </p:nvSpPr>
         <p:spPr>
           <a:xfrm flipH="1">
-            <a:off x="3860635" y="1520608"/>
+            <a:off x="3860635" y="1664624"/>
             <a:ext cx="306413" cy="144016"/>
           </a:xfrm>
           <a:prstGeom prst="rightArrow">
@@ -3694,7 +3694,7 @@
       </p:sp>
       <p:grpSp>
         <p:nvGrpSpPr>
-          <p:cNvPr id="79" name="Group 78"/>
+          <p:cNvPr id="275" name="Group 274"/>
           <p:cNvGrpSpPr>
             <a:grpSpLocks noChangeAspect="1"/>
           </p:cNvGrpSpPr>
@@ -3702,7 +3702,7 @@
         </p:nvGrpSpPr>
         <p:grpSpPr>
           <a:xfrm>
-            <a:off x="1547505" y="1412009"/>
+            <a:off x="1547505" y="1556025"/>
             <a:ext cx="110592" cy="442412"/>
             <a:chOff x="1026493" y="1314326"/>
             <a:chExt cx="144000" cy="576057"/>
@@ -3710,7 +3710,7 @@
         </p:grpSpPr>
         <p:sp>
           <p:nvSpPr>
-            <p:cNvPr id="80" name="Oval 79"/>
+            <p:cNvPr id="276" name="Oval 275"/>
             <p:cNvSpPr/>
             <p:nvPr/>
           </p:nvSpPr>
@@ -3758,9 +3758,9 @@
         </p:sp>
         <p:cxnSp>
           <p:nvCxnSpPr>
-            <p:cNvPr id="81" name="Straight Connector 80"/>
+            <p:cNvPr id="277" name="Straight Connector 276"/>
             <p:cNvCxnSpPr>
-              <a:endCxn id="80" idx="0"/>
+              <a:endCxn id="276" idx="0"/>
             </p:cNvCxnSpPr>
             <p:nvPr/>
           </p:nvCxnSpPr>
@@ -3796,7 +3796,7 @@
       </p:grpSp>
       <p:grpSp>
         <p:nvGrpSpPr>
-          <p:cNvPr id="151" name="Group 150"/>
+          <p:cNvPr id="278" name="Group 277"/>
           <p:cNvGrpSpPr>
             <a:grpSpLocks noChangeAspect="1"/>
           </p:cNvGrpSpPr>
@@ -3804,7 +3804,7 @@
         </p:nvGrpSpPr>
         <p:grpSpPr>
           <a:xfrm>
-            <a:off x="1689917" y="1412377"/>
+            <a:off x="1689917" y="1556393"/>
             <a:ext cx="110592" cy="442412"/>
             <a:chOff x="1026493" y="1314326"/>
             <a:chExt cx="144000" cy="576057"/>
@@ -3812,7 +3812,7 @@
         </p:grpSpPr>
         <p:sp>
           <p:nvSpPr>
-            <p:cNvPr id="152" name="Oval 151"/>
+            <p:cNvPr id="279" name="Oval 278"/>
             <p:cNvSpPr/>
             <p:nvPr/>
           </p:nvSpPr>
@@ -3860,9 +3860,9 @@
         </p:sp>
         <p:cxnSp>
           <p:nvCxnSpPr>
-            <p:cNvPr id="153" name="Straight Connector 152"/>
+            <p:cNvPr id="280" name="Straight Connector 279"/>
             <p:cNvCxnSpPr>
-              <a:endCxn id="152" idx="0"/>
+              <a:endCxn id="279" idx="0"/>
             </p:cNvCxnSpPr>
             <p:nvPr/>
           </p:nvCxnSpPr>
@@ -3898,7 +3898,7 @@
       </p:grpSp>
       <p:grpSp>
         <p:nvGrpSpPr>
-          <p:cNvPr id="154" name="Group 153"/>
+          <p:cNvPr id="281" name="Group 280"/>
           <p:cNvGrpSpPr>
             <a:grpSpLocks noChangeAspect="1"/>
           </p:cNvGrpSpPr>
@@ -3906,7 +3906,7 @@
         </p:nvGrpSpPr>
         <p:grpSpPr>
           <a:xfrm>
-            <a:off x="1831617" y="1413351"/>
+            <a:off x="1831617" y="1557367"/>
             <a:ext cx="110592" cy="442412"/>
             <a:chOff x="1026493" y="1314326"/>
             <a:chExt cx="144000" cy="576057"/>
@@ -3914,7 +3914,7 @@
         </p:grpSpPr>
         <p:sp>
           <p:nvSpPr>
-            <p:cNvPr id="155" name="Oval 154"/>
+            <p:cNvPr id="282" name="Oval 281"/>
             <p:cNvSpPr/>
             <p:nvPr/>
           </p:nvSpPr>
@@ -3962,9 +3962,9 @@
         </p:sp>
         <p:cxnSp>
           <p:nvCxnSpPr>
-            <p:cNvPr id="156" name="Straight Connector 155"/>
+            <p:cNvPr id="283" name="Straight Connector 282"/>
             <p:cNvCxnSpPr>
-              <a:endCxn id="155" idx="0"/>
+              <a:endCxn id="282" idx="0"/>
             </p:cNvCxnSpPr>
             <p:nvPr/>
           </p:nvCxnSpPr>
@@ -4000,7 +4000,7 @@
       </p:grpSp>
       <p:grpSp>
         <p:nvGrpSpPr>
-          <p:cNvPr id="157" name="Group 156"/>
+          <p:cNvPr id="284" name="Group 283"/>
           <p:cNvGrpSpPr>
             <a:grpSpLocks noChangeAspect="1"/>
           </p:cNvGrpSpPr>
@@ -4008,7 +4008,7 @@
         </p:nvGrpSpPr>
         <p:grpSpPr>
           <a:xfrm>
-            <a:off x="1972227" y="1413351"/>
+            <a:off x="1972227" y="1557367"/>
             <a:ext cx="110592" cy="442412"/>
             <a:chOff x="1026493" y="1314326"/>
             <a:chExt cx="144000" cy="576057"/>
@@ -4016,7 +4016,7 @@
         </p:grpSpPr>
         <p:sp>
           <p:nvSpPr>
-            <p:cNvPr id="158" name="Oval 157"/>
+            <p:cNvPr id="285" name="Oval 284"/>
             <p:cNvSpPr/>
             <p:nvPr/>
           </p:nvSpPr>
@@ -4064,9 +4064,9 @@
         </p:sp>
         <p:cxnSp>
           <p:nvCxnSpPr>
-            <p:cNvPr id="159" name="Straight Connector 158"/>
+            <p:cNvPr id="286" name="Straight Connector 285"/>
             <p:cNvCxnSpPr>
-              <a:endCxn id="158" idx="0"/>
+              <a:endCxn id="285" idx="0"/>
             </p:cNvCxnSpPr>
             <p:nvPr/>
           </p:nvCxnSpPr>
@@ -4102,7 +4102,7 @@
       </p:grpSp>
       <p:grpSp>
         <p:nvGrpSpPr>
-          <p:cNvPr id="160" name="Group 159"/>
+          <p:cNvPr id="287" name="Group 286"/>
           <p:cNvGrpSpPr>
             <a:grpSpLocks noChangeAspect="1"/>
           </p:cNvGrpSpPr>
@@ -4110,7 +4110,7 @@
         </p:nvGrpSpPr>
         <p:grpSpPr>
           <a:xfrm>
-            <a:off x="2110978" y="1413351"/>
+            <a:off x="2110978" y="1557367"/>
             <a:ext cx="110592" cy="442412"/>
             <a:chOff x="1026493" y="1314326"/>
             <a:chExt cx="144000" cy="576057"/>
@@ -4118,7 +4118,7 @@
         </p:grpSpPr>
         <p:sp>
           <p:nvSpPr>
-            <p:cNvPr id="161" name="Oval 160"/>
+            <p:cNvPr id="288" name="Oval 287"/>
             <p:cNvSpPr/>
             <p:nvPr/>
           </p:nvSpPr>
@@ -4166,9 +4166,9 @@
         </p:sp>
         <p:cxnSp>
           <p:nvCxnSpPr>
-            <p:cNvPr id="162" name="Straight Connector 161"/>
+            <p:cNvPr id="289" name="Straight Connector 288"/>
             <p:cNvCxnSpPr>
-              <a:endCxn id="161" idx="0"/>
+              <a:endCxn id="288" idx="0"/>
             </p:cNvCxnSpPr>
             <p:nvPr/>
           </p:nvCxnSpPr>
@@ -4204,7 +4204,7 @@
       </p:grpSp>
       <p:grpSp>
         <p:nvGrpSpPr>
-          <p:cNvPr id="163" name="Group 162"/>
+          <p:cNvPr id="290" name="Group 289"/>
           <p:cNvGrpSpPr>
             <a:grpSpLocks noChangeAspect="1"/>
           </p:cNvGrpSpPr>
@@ -4212,7 +4212,7 @@
         </p:nvGrpSpPr>
         <p:grpSpPr>
           <a:xfrm>
-            <a:off x="2253390" y="1413719"/>
+            <a:off x="2253390" y="1557735"/>
             <a:ext cx="110592" cy="442412"/>
             <a:chOff x="1026493" y="1314326"/>
             <a:chExt cx="144000" cy="576057"/>
@@ -4220,7 +4220,7 @@
         </p:grpSpPr>
         <p:sp>
           <p:nvSpPr>
-            <p:cNvPr id="164" name="Oval 163"/>
+            <p:cNvPr id="291" name="Oval 290"/>
             <p:cNvSpPr/>
             <p:nvPr/>
           </p:nvSpPr>
@@ -4268,9 +4268,9 @@
         </p:sp>
         <p:cxnSp>
           <p:nvCxnSpPr>
-            <p:cNvPr id="165" name="Straight Connector 164"/>
+            <p:cNvPr id="292" name="Straight Connector 291"/>
             <p:cNvCxnSpPr>
-              <a:endCxn id="164" idx="0"/>
+              <a:endCxn id="291" idx="0"/>
             </p:cNvCxnSpPr>
             <p:nvPr/>
           </p:nvCxnSpPr>
@@ -4306,7 +4306,7 @@
       </p:grpSp>
       <p:grpSp>
         <p:nvGrpSpPr>
-          <p:cNvPr id="166" name="Group 165"/>
+          <p:cNvPr id="293" name="Group 292"/>
           <p:cNvGrpSpPr>
             <a:grpSpLocks noChangeAspect="1"/>
           </p:cNvGrpSpPr>
@@ -4314,7 +4314,7 @@
         </p:nvGrpSpPr>
         <p:grpSpPr>
           <a:xfrm>
-            <a:off x="2395090" y="1414693"/>
+            <a:off x="2395090" y="1558709"/>
             <a:ext cx="110592" cy="442412"/>
             <a:chOff x="1026493" y="1314326"/>
             <a:chExt cx="144000" cy="576057"/>
@@ -4322,7 +4322,7 @@
         </p:grpSpPr>
         <p:sp>
           <p:nvSpPr>
-            <p:cNvPr id="167" name="Oval 166"/>
+            <p:cNvPr id="294" name="Oval 293"/>
             <p:cNvSpPr/>
             <p:nvPr/>
           </p:nvSpPr>
@@ -4370,9 +4370,9 @@
         </p:sp>
         <p:cxnSp>
           <p:nvCxnSpPr>
-            <p:cNvPr id="168" name="Straight Connector 167"/>
+            <p:cNvPr id="295" name="Straight Connector 294"/>
             <p:cNvCxnSpPr>
-              <a:endCxn id="167" idx="0"/>
+              <a:endCxn id="294" idx="0"/>
             </p:cNvCxnSpPr>
             <p:nvPr/>
           </p:nvCxnSpPr>
@@ -4408,7 +4408,7 @@
       </p:grpSp>
       <p:grpSp>
         <p:nvGrpSpPr>
-          <p:cNvPr id="169" name="Group 168"/>
+          <p:cNvPr id="296" name="Group 295"/>
           <p:cNvGrpSpPr>
             <a:grpSpLocks noChangeAspect="1"/>
           </p:cNvGrpSpPr>
@@ -4416,7 +4416,7 @@
         </p:nvGrpSpPr>
         <p:grpSpPr>
           <a:xfrm>
-            <a:off x="2537852" y="1408061"/>
+            <a:off x="2537852" y="1552077"/>
             <a:ext cx="110592" cy="442412"/>
             <a:chOff x="1026493" y="1314326"/>
             <a:chExt cx="144000" cy="576057"/>
@@ -4424,7 +4424,7 @@
         </p:grpSpPr>
         <p:sp>
           <p:nvSpPr>
-            <p:cNvPr id="170" name="Oval 169"/>
+            <p:cNvPr id="297" name="Oval 296"/>
             <p:cNvSpPr/>
             <p:nvPr/>
           </p:nvSpPr>
@@ -4472,9 +4472,9 @@
         </p:sp>
         <p:cxnSp>
           <p:nvCxnSpPr>
-            <p:cNvPr id="171" name="Straight Connector 170"/>
+            <p:cNvPr id="298" name="Straight Connector 297"/>
             <p:cNvCxnSpPr>
-              <a:endCxn id="170" idx="0"/>
+              <a:endCxn id="297" idx="0"/>
             </p:cNvCxnSpPr>
             <p:nvPr/>
           </p:nvCxnSpPr>
@@ -4510,7 +4510,7 @@
       </p:grpSp>
       <p:grpSp>
         <p:nvGrpSpPr>
-          <p:cNvPr id="172" name="Group 171"/>
+          <p:cNvPr id="299" name="Group 298"/>
           <p:cNvGrpSpPr>
             <a:grpSpLocks noChangeAspect="1"/>
           </p:cNvGrpSpPr>
@@ -4518,7 +4518,7 @@
         </p:nvGrpSpPr>
         <p:grpSpPr>
           <a:xfrm>
-            <a:off x="2676603" y="1408061"/>
+            <a:off x="2676603" y="1552077"/>
             <a:ext cx="110592" cy="442412"/>
             <a:chOff x="1026493" y="1314326"/>
             <a:chExt cx="144000" cy="576057"/>
@@ -4526,7 +4526,7 @@
         </p:grpSpPr>
         <p:sp>
           <p:nvSpPr>
-            <p:cNvPr id="173" name="Oval 172"/>
+            <p:cNvPr id="300" name="Oval 299"/>
             <p:cNvSpPr/>
             <p:nvPr/>
           </p:nvSpPr>
@@ -4574,9 +4574,9 @@
         </p:sp>
         <p:cxnSp>
           <p:nvCxnSpPr>
-            <p:cNvPr id="174" name="Straight Connector 173"/>
+            <p:cNvPr id="301" name="Straight Connector 300"/>
             <p:cNvCxnSpPr>
-              <a:endCxn id="173" idx="0"/>
+              <a:endCxn id="300" idx="0"/>
             </p:cNvCxnSpPr>
             <p:nvPr/>
           </p:nvCxnSpPr>
@@ -4612,7 +4612,7 @@
       </p:grpSp>
       <p:grpSp>
         <p:nvGrpSpPr>
-          <p:cNvPr id="175" name="Group 174"/>
+          <p:cNvPr id="302" name="Group 301"/>
           <p:cNvGrpSpPr>
             <a:grpSpLocks noChangeAspect="1"/>
           </p:cNvGrpSpPr>
@@ -4620,7 +4620,7 @@
         </p:nvGrpSpPr>
         <p:grpSpPr>
           <a:xfrm>
-            <a:off x="2819015" y="1408429"/>
+            <a:off x="2819015" y="1552445"/>
             <a:ext cx="110592" cy="442412"/>
             <a:chOff x="1026493" y="1314326"/>
             <a:chExt cx="144000" cy="576057"/>
@@ -4628,7 +4628,7 @@
         </p:grpSpPr>
         <p:sp>
           <p:nvSpPr>
-            <p:cNvPr id="176" name="Oval 175"/>
+            <p:cNvPr id="303" name="Oval 302"/>
             <p:cNvSpPr/>
             <p:nvPr/>
           </p:nvSpPr>
@@ -4676,9 +4676,9 @@
         </p:sp>
         <p:cxnSp>
           <p:nvCxnSpPr>
-            <p:cNvPr id="177" name="Straight Connector 176"/>
+            <p:cNvPr id="304" name="Straight Connector 303"/>
             <p:cNvCxnSpPr>
-              <a:endCxn id="176" idx="0"/>
+              <a:endCxn id="303" idx="0"/>
             </p:cNvCxnSpPr>
             <p:nvPr/>
           </p:nvCxnSpPr>
@@ -4714,7 +4714,7 @@
       </p:grpSp>
       <p:grpSp>
         <p:nvGrpSpPr>
-          <p:cNvPr id="178" name="Group 177"/>
+          <p:cNvPr id="305" name="Group 304"/>
           <p:cNvGrpSpPr>
             <a:grpSpLocks noChangeAspect="1"/>
           </p:cNvGrpSpPr>
@@ -4722,7 +4722,7 @@
         </p:nvGrpSpPr>
         <p:grpSpPr>
           <a:xfrm>
-            <a:off x="2960715" y="1409403"/>
+            <a:off x="2960715" y="1553419"/>
             <a:ext cx="110592" cy="442412"/>
             <a:chOff x="1026493" y="1314326"/>
             <a:chExt cx="144000" cy="576057"/>
@@ -4730,7 +4730,7 @@
         </p:grpSpPr>
         <p:sp>
           <p:nvSpPr>
-            <p:cNvPr id="179" name="Oval 178"/>
+            <p:cNvPr id="306" name="Oval 305"/>
             <p:cNvSpPr/>
             <p:nvPr/>
           </p:nvSpPr>
@@ -4778,9 +4778,9 @@
         </p:sp>
         <p:cxnSp>
           <p:nvCxnSpPr>
-            <p:cNvPr id="180" name="Straight Connector 179"/>
+            <p:cNvPr id="307" name="Straight Connector 306"/>
             <p:cNvCxnSpPr>
-              <a:endCxn id="179" idx="0"/>
+              <a:endCxn id="306" idx="0"/>
             </p:cNvCxnSpPr>
             <p:nvPr/>
           </p:nvCxnSpPr>
@@ -4816,7 +4816,7 @@
       </p:grpSp>
       <p:grpSp>
         <p:nvGrpSpPr>
-          <p:cNvPr id="181" name="Group 180"/>
+          <p:cNvPr id="308" name="Group 307"/>
           <p:cNvGrpSpPr>
             <a:grpSpLocks noChangeAspect="1"/>
           </p:cNvGrpSpPr>
@@ -4824,7 +4824,7 @@
         </p:nvGrpSpPr>
         <p:grpSpPr>
           <a:xfrm>
-            <a:off x="3095100" y="1407693"/>
+            <a:off x="3095100" y="1551709"/>
             <a:ext cx="110592" cy="442412"/>
             <a:chOff x="1026493" y="1314326"/>
             <a:chExt cx="144000" cy="576057"/>
@@ -4832,7 +4832,7 @@
         </p:grpSpPr>
         <p:sp>
           <p:nvSpPr>
-            <p:cNvPr id="182" name="Oval 181"/>
+            <p:cNvPr id="309" name="Oval 308"/>
             <p:cNvSpPr/>
             <p:nvPr/>
           </p:nvSpPr>
@@ -4880,9 +4880,9 @@
         </p:sp>
         <p:cxnSp>
           <p:nvCxnSpPr>
-            <p:cNvPr id="183" name="Straight Connector 182"/>
+            <p:cNvPr id="310" name="Straight Connector 309"/>
             <p:cNvCxnSpPr>
-              <a:endCxn id="182" idx="0"/>
+              <a:endCxn id="309" idx="0"/>
             </p:cNvCxnSpPr>
             <p:nvPr/>
           </p:nvCxnSpPr>
@@ -4918,7 +4918,7 @@
       </p:grpSp>
       <p:grpSp>
         <p:nvGrpSpPr>
-          <p:cNvPr id="184" name="Group 183"/>
+          <p:cNvPr id="311" name="Group 310"/>
           <p:cNvGrpSpPr>
             <a:grpSpLocks noChangeAspect="1"/>
           </p:cNvGrpSpPr>
@@ -4926,7 +4926,7 @@
         </p:nvGrpSpPr>
         <p:grpSpPr>
           <a:xfrm>
-            <a:off x="3233851" y="1407693"/>
+            <a:off x="3233851" y="1551709"/>
             <a:ext cx="110592" cy="442412"/>
             <a:chOff x="1026493" y="1314326"/>
             <a:chExt cx="144000" cy="576057"/>
@@ -4934,7 +4934,7 @@
         </p:grpSpPr>
         <p:sp>
           <p:nvSpPr>
-            <p:cNvPr id="185" name="Oval 184"/>
+            <p:cNvPr id="312" name="Oval 311"/>
             <p:cNvSpPr/>
             <p:nvPr/>
           </p:nvSpPr>
@@ -4982,9 +4982,9 @@
         </p:sp>
         <p:cxnSp>
           <p:nvCxnSpPr>
-            <p:cNvPr id="186" name="Straight Connector 185"/>
+            <p:cNvPr id="313" name="Straight Connector 312"/>
             <p:cNvCxnSpPr>
-              <a:endCxn id="185" idx="0"/>
+              <a:endCxn id="312" idx="0"/>
             </p:cNvCxnSpPr>
             <p:nvPr/>
           </p:nvCxnSpPr>
@@ -5020,7 +5020,7 @@
       </p:grpSp>
       <p:grpSp>
         <p:nvGrpSpPr>
-          <p:cNvPr id="187" name="Group 186"/>
+          <p:cNvPr id="314" name="Group 313"/>
           <p:cNvGrpSpPr>
             <a:grpSpLocks noChangeAspect="1"/>
           </p:cNvGrpSpPr>
@@ -5028,7 +5028,7 @@
         </p:nvGrpSpPr>
         <p:grpSpPr>
           <a:xfrm>
-            <a:off x="3376263" y="1408061"/>
+            <a:off x="3376263" y="1552077"/>
             <a:ext cx="110592" cy="442412"/>
             <a:chOff x="1026493" y="1314326"/>
             <a:chExt cx="144000" cy="576057"/>
@@ -5036,7 +5036,7 @@
         </p:grpSpPr>
         <p:sp>
           <p:nvSpPr>
-            <p:cNvPr id="188" name="Oval 187"/>
+            <p:cNvPr id="315" name="Oval 314"/>
             <p:cNvSpPr/>
             <p:nvPr/>
           </p:nvSpPr>
@@ -5084,9 +5084,9 @@
         </p:sp>
         <p:cxnSp>
           <p:nvCxnSpPr>
-            <p:cNvPr id="189" name="Straight Connector 188"/>
+            <p:cNvPr id="316" name="Straight Connector 315"/>
             <p:cNvCxnSpPr>
-              <a:endCxn id="188" idx="0"/>
+              <a:endCxn id="315" idx="0"/>
             </p:cNvCxnSpPr>
             <p:nvPr/>
           </p:nvCxnSpPr>
@@ -5122,7 +5122,7 @@
       </p:grpSp>
       <p:grpSp>
         <p:nvGrpSpPr>
-          <p:cNvPr id="190" name="Group 189"/>
+          <p:cNvPr id="317" name="Group 316"/>
           <p:cNvGrpSpPr>
             <a:grpSpLocks noChangeAspect="1"/>
           </p:cNvGrpSpPr>
@@ -5130,7 +5130,7 @@
         </p:nvGrpSpPr>
         <p:grpSpPr>
           <a:xfrm>
-            <a:off x="3517963" y="1409035"/>
+            <a:off x="3517963" y="1553051"/>
             <a:ext cx="110592" cy="442412"/>
             <a:chOff x="1026493" y="1314326"/>
             <a:chExt cx="144000" cy="576057"/>
@@ -5138,7 +5138,7 @@
         </p:grpSpPr>
         <p:sp>
           <p:nvSpPr>
-            <p:cNvPr id="191" name="Oval 190"/>
+            <p:cNvPr id="318" name="Oval 317"/>
             <p:cNvSpPr/>
             <p:nvPr/>
           </p:nvSpPr>
@@ -5186,9 +5186,9 @@
         </p:sp>
         <p:cxnSp>
           <p:nvCxnSpPr>
-            <p:cNvPr id="192" name="Straight Connector 191"/>
+            <p:cNvPr id="319" name="Straight Connector 318"/>
             <p:cNvCxnSpPr>
-              <a:endCxn id="191" idx="0"/>
+              <a:endCxn id="318" idx="0"/>
             </p:cNvCxnSpPr>
             <p:nvPr/>
           </p:nvCxnSpPr>
@@ -5224,7 +5224,7 @@
       </p:grpSp>
       <p:grpSp>
         <p:nvGrpSpPr>
-          <p:cNvPr id="193" name="Group 192"/>
+          <p:cNvPr id="320" name="Group 319"/>
           <p:cNvGrpSpPr>
             <a:grpSpLocks noChangeAspect="1"/>
           </p:cNvGrpSpPr>
@@ -5232,7 +5232,7 @@
         </p:nvGrpSpPr>
         <p:grpSpPr>
           <a:xfrm>
-            <a:off x="1633644" y="259625"/>
+            <a:off x="1633644" y="403641"/>
             <a:ext cx="165888" cy="663618"/>
             <a:chOff x="1026493" y="1314326"/>
             <a:chExt cx="144000" cy="576057"/>
@@ -5240,7 +5240,7 @@
         </p:grpSpPr>
         <p:sp>
           <p:nvSpPr>
-            <p:cNvPr id="194" name="Oval 193"/>
+            <p:cNvPr id="321" name="Oval 320"/>
             <p:cNvSpPr/>
             <p:nvPr/>
           </p:nvSpPr>
@@ -5288,9 +5288,9 @@
         </p:sp>
         <p:cxnSp>
           <p:nvCxnSpPr>
-            <p:cNvPr id="195" name="Straight Connector 194"/>
+            <p:cNvPr id="322" name="Straight Connector 321"/>
             <p:cNvCxnSpPr>
-              <a:endCxn id="194" idx="0"/>
+              <a:endCxn id="321" idx="0"/>
             </p:cNvCxnSpPr>
             <p:nvPr/>
           </p:nvCxnSpPr>
@@ -5326,13 +5326,13 @@
       </p:grpSp>
       <p:sp>
         <p:nvSpPr>
-          <p:cNvPr id="196" name="TextBox 195"/>
+          <p:cNvPr id="323" name="TextBox 322"/>
           <p:cNvSpPr txBox="1"/>
           <p:nvPr/>
         </p:nvSpPr>
         <p:spPr>
           <a:xfrm>
-            <a:off x="1722271" y="243265"/>
+            <a:off x="1722271" y="387281"/>
             <a:ext cx="1902444" cy="400110"/>
           </a:xfrm>
           <a:prstGeom prst="rect">
@@ -5356,13 +5356,13 @@
       </p:sp>
       <p:sp>
         <p:nvSpPr>
-          <p:cNvPr id="197" name="TextBox 196"/>
+          <p:cNvPr id="324" name="TextBox 323"/>
           <p:cNvSpPr txBox="1"/>
           <p:nvPr/>
         </p:nvSpPr>
         <p:spPr>
           <a:xfrm>
-            <a:off x="1746573" y="674205"/>
+            <a:off x="1746573" y="818221"/>
             <a:ext cx="1947264" cy="400110"/>
           </a:xfrm>
           <a:prstGeom prst="rect">
@@ -5386,13 +5386,13 @@
       </p:sp>
       <p:sp>
         <p:nvSpPr>
-          <p:cNvPr id="198" name="Oval 197"/>
+          <p:cNvPr id="325" name="Oval 324"/>
           <p:cNvSpPr/>
           <p:nvPr/>
         </p:nvSpPr>
         <p:spPr>
           <a:xfrm>
-            <a:off x="1142560" y="76682"/>
+            <a:off x="1142560" y="220698"/>
             <a:ext cx="2930107" cy="1101582"/>
           </a:xfrm>
           <a:prstGeom prst="ellipse">
@@ -5432,13 +5432,13 @@
       </p:sp>
       <p:cxnSp>
         <p:nvCxnSpPr>
-          <p:cNvPr id="201" name="Straight Arrow Connector 200"/>
+          <p:cNvPr id="326" name="Straight Arrow Connector 325"/>
           <p:cNvCxnSpPr/>
           <p:nvPr/>
         </p:nvCxnSpPr>
         <p:spPr>
           <a:xfrm flipV="1">
-            <a:off x="1464050" y="1058413"/>
+            <a:off x="1464050" y="1202429"/>
             <a:ext cx="169594" cy="333378"/>
           </a:xfrm>
           <a:prstGeom prst="straightConnector1">
@@ -5469,13 +5469,13 @@
       </p:cxnSp>
       <p:sp>
         <p:nvSpPr>
-          <p:cNvPr id="5" name="TextBox 4"/>
+          <p:cNvPr id="327" name="TextBox 326"/>
           <p:cNvSpPr txBox="1"/>
           <p:nvPr/>
         </p:nvSpPr>
         <p:spPr>
           <a:xfrm>
-            <a:off x="3739117" y="2047390"/>
+            <a:off x="3739117" y="2191406"/>
             <a:ext cx="860979" cy="400110"/>
           </a:xfrm>
           <a:prstGeom prst="rect">
@@ -5499,13 +5499,13 @@
       </p:sp>
       <p:sp>
         <p:nvSpPr>
-          <p:cNvPr id="7" name="TextBox 6"/>
+          <p:cNvPr id="328" name="TextBox 327"/>
           <p:cNvSpPr txBox="1"/>
           <p:nvPr/>
         </p:nvSpPr>
         <p:spPr>
           <a:xfrm>
-            <a:off x="378421" y="1950961"/>
+            <a:off x="378421" y="2094977"/>
             <a:ext cx="1152128" cy="400110"/>
           </a:xfrm>
           <a:prstGeom prst="rect">
@@ -5529,13 +5529,13 @@
       </p:sp>
       <p:cxnSp>
         <p:nvCxnSpPr>
-          <p:cNvPr id="70" name="Straight Arrow Connector 69"/>
+          <p:cNvPr id="329" name="Straight Arrow Connector 328"/>
           <p:cNvCxnSpPr/>
           <p:nvPr/>
         </p:nvCxnSpPr>
         <p:spPr>
           <a:xfrm flipH="1">
-            <a:off x="1148489" y="1949847"/>
+            <a:off x="1148489" y="2093863"/>
             <a:ext cx="180000" cy="121396"/>
           </a:xfrm>
           <a:prstGeom prst="straightConnector1">
